--- a/Technical/controls/Architecture/controls_working.pptx
+++ b/Technical/controls/Architecture/controls_working.pptx
@@ -111,6 +111,11 @@
       </a:defRPr>
     </a:lvl9pPr>
   </p:defaultTextStyle>
+  <p:extLst>
+    <p:ext uri="{EFAFB233-063F-42B5-8137-9DF3F51BA10A}">
+      <p15:sldGuideLst xmlns:p15="http://schemas.microsoft.com/office/powerpoint/2012/main"/>
+    </p:ext>
+  </p:extLst>
 </p:presentation>
 </file>
 
@@ -245,7 +250,7 @@
           <a:p>
             <a:fld id="{1A7DD840-27F1-40DD-BEF1-1BCF84AEA681}" type="datetimeFigureOut">
               <a:rPr lang="en-US" smtClean="0"/>
-              <a:t>9/22/2015</a:t>
+              <a:t>9/23/2015</a:t>
             </a:fld>
             <a:endParaRPr lang="en-US"/>
           </a:p>
@@ -415,7 +420,7 @@
           <a:p>
             <a:fld id="{1A7DD840-27F1-40DD-BEF1-1BCF84AEA681}" type="datetimeFigureOut">
               <a:rPr lang="en-US" smtClean="0"/>
-              <a:t>9/22/2015</a:t>
+              <a:t>9/23/2015</a:t>
             </a:fld>
             <a:endParaRPr lang="en-US"/>
           </a:p>
@@ -595,7 +600,7 @@
           <a:p>
             <a:fld id="{1A7DD840-27F1-40DD-BEF1-1BCF84AEA681}" type="datetimeFigureOut">
               <a:rPr lang="en-US" smtClean="0"/>
-              <a:t>9/22/2015</a:t>
+              <a:t>9/23/2015</a:t>
             </a:fld>
             <a:endParaRPr lang="en-US"/>
           </a:p>
@@ -765,7 +770,7 @@
           <a:p>
             <a:fld id="{1A7DD840-27F1-40DD-BEF1-1BCF84AEA681}" type="datetimeFigureOut">
               <a:rPr lang="en-US" smtClean="0"/>
-              <a:t>9/22/2015</a:t>
+              <a:t>9/23/2015</a:t>
             </a:fld>
             <a:endParaRPr lang="en-US"/>
           </a:p>
@@ -1011,7 +1016,7 @@
           <a:p>
             <a:fld id="{1A7DD840-27F1-40DD-BEF1-1BCF84AEA681}" type="datetimeFigureOut">
               <a:rPr lang="en-US" smtClean="0"/>
-              <a:t>9/22/2015</a:t>
+              <a:t>9/23/2015</a:t>
             </a:fld>
             <a:endParaRPr lang="en-US"/>
           </a:p>
@@ -1243,7 +1248,7 @@
           <a:p>
             <a:fld id="{1A7DD840-27F1-40DD-BEF1-1BCF84AEA681}" type="datetimeFigureOut">
               <a:rPr lang="en-US" smtClean="0"/>
-              <a:t>9/22/2015</a:t>
+              <a:t>9/23/2015</a:t>
             </a:fld>
             <a:endParaRPr lang="en-US"/>
           </a:p>
@@ -1610,7 +1615,7 @@
           <a:p>
             <a:fld id="{1A7DD840-27F1-40DD-BEF1-1BCF84AEA681}" type="datetimeFigureOut">
               <a:rPr lang="en-US" smtClean="0"/>
-              <a:t>9/22/2015</a:t>
+              <a:t>9/23/2015</a:t>
             </a:fld>
             <a:endParaRPr lang="en-US"/>
           </a:p>
@@ -1728,7 +1733,7 @@
           <a:p>
             <a:fld id="{1A7DD840-27F1-40DD-BEF1-1BCF84AEA681}" type="datetimeFigureOut">
               <a:rPr lang="en-US" smtClean="0"/>
-              <a:t>9/22/2015</a:t>
+              <a:t>9/23/2015</a:t>
             </a:fld>
             <a:endParaRPr lang="en-US"/>
           </a:p>
@@ -1823,7 +1828,7 @@
           <a:p>
             <a:fld id="{1A7DD840-27F1-40DD-BEF1-1BCF84AEA681}" type="datetimeFigureOut">
               <a:rPr lang="en-US" smtClean="0"/>
-              <a:t>9/22/2015</a:t>
+              <a:t>9/23/2015</a:t>
             </a:fld>
             <a:endParaRPr lang="en-US"/>
           </a:p>
@@ -2100,7 +2105,7 @@
           <a:p>
             <a:fld id="{1A7DD840-27F1-40DD-BEF1-1BCF84AEA681}" type="datetimeFigureOut">
               <a:rPr lang="en-US" smtClean="0"/>
-              <a:t>9/22/2015</a:t>
+              <a:t>9/23/2015</a:t>
             </a:fld>
             <a:endParaRPr lang="en-US"/>
           </a:p>
@@ -2353,7 +2358,7 @@
           <a:p>
             <a:fld id="{1A7DD840-27F1-40DD-BEF1-1BCF84AEA681}" type="datetimeFigureOut">
               <a:rPr lang="en-US" smtClean="0"/>
-              <a:t>9/22/2015</a:t>
+              <a:t>9/23/2015</a:t>
             </a:fld>
             <a:endParaRPr lang="en-US"/>
           </a:p>
@@ -2566,7 +2571,7 @@
           <a:p>
             <a:fld id="{1A7DD840-27F1-40DD-BEF1-1BCF84AEA681}" type="datetimeFigureOut">
               <a:rPr lang="en-US" smtClean="0"/>
-              <a:t>9/22/2015</a:t>
+              <a:t>9/23/2015</a:t>
             </a:fld>
             <a:endParaRPr lang="en-US"/>
           </a:p>
@@ -3645,8 +3650,8 @@
           </a:p>
         </p:txBody>
       </p:sp>
-      <mc:AlternateContent xmlns:mc="http://schemas.openxmlformats.org/markup-compatibility/2006">
-        <mc:Choice xmlns:a14="http://schemas.microsoft.com/office/drawing/2010/main" Requires="a14">
+      <mc:AlternateContent xmlns:mc="http://schemas.openxmlformats.org/markup-compatibility/2006" xmlns:a14="http://schemas.microsoft.com/office/drawing/2010/main">
+        <mc:Choice Requires="a14">
           <p:sp>
             <p:nvSpPr>
               <p:cNvPr id="42" name="TextBox 41"/>
@@ -3669,6 +3674,7 @@
               </a:bodyPr>
               <a:lstStyle/>
               <a:p>
+                <a:pPr/>
                 <a14:m>
                   <m:oMathPara xmlns:m="http://schemas.openxmlformats.org/officeDocument/2006/math">
                     <m:oMathParaPr>
@@ -3725,7 +3731,7 @@
             </p:txBody>
           </p:sp>
         </mc:Choice>
-        <mc:Fallback>
+        <mc:Fallback xmlns="">
           <p:sp>
             <p:nvSpPr>
               <p:cNvPr id="42" name="TextBox 41"/>
@@ -3764,8 +3770,8 @@
           </p:sp>
         </mc:Fallback>
       </mc:AlternateContent>
-      <mc:AlternateContent xmlns:mc="http://schemas.openxmlformats.org/markup-compatibility/2006">
-        <mc:Choice xmlns:a14="http://schemas.microsoft.com/office/drawing/2010/main" Requires="a14">
+      <mc:AlternateContent xmlns:mc="http://schemas.openxmlformats.org/markup-compatibility/2006" xmlns:a14="http://schemas.microsoft.com/office/drawing/2010/main">
+        <mc:Choice Requires="a14">
           <p:sp>
             <p:nvSpPr>
               <p:cNvPr id="43" name="TextBox 42"/>
@@ -3788,6 +3794,7 @@
               </a:bodyPr>
               <a:lstStyle/>
               <a:p>
+                <a:pPr/>
                 <a14:m>
                   <m:oMathPara xmlns:m="http://schemas.openxmlformats.org/officeDocument/2006/math">
                     <m:oMathParaPr>
@@ -3844,7 +3851,7 @@
             </p:txBody>
           </p:sp>
         </mc:Choice>
-        <mc:Fallback>
+        <mc:Fallback xmlns="">
           <p:sp>
             <p:nvSpPr>
               <p:cNvPr id="43" name="TextBox 42"/>
@@ -4120,8 +4127,8 @@
           </a:fontRef>
         </p:style>
       </p:cxnSp>
-      <mc:AlternateContent xmlns:mc="http://schemas.openxmlformats.org/markup-compatibility/2006">
-        <mc:Choice xmlns:a14="http://schemas.microsoft.com/office/drawing/2010/main" Requires="a14">
+      <mc:AlternateContent xmlns:mc="http://schemas.openxmlformats.org/markup-compatibility/2006" xmlns:a14="http://schemas.microsoft.com/office/drawing/2010/main">
+        <mc:Choice Requires="a14">
           <p:sp>
             <p:nvSpPr>
               <p:cNvPr id="14" name="TextBox 13"/>
@@ -4144,6 +4151,7 @@
               </a:bodyPr>
               <a:lstStyle/>
               <a:p>
+                <a:pPr/>
                 <a14:m>
                   <m:oMathPara xmlns:m="http://schemas.openxmlformats.org/officeDocument/2006/math">
                     <m:oMathParaPr>
@@ -4183,7 +4191,7 @@
             </p:txBody>
           </p:sp>
         </mc:Choice>
-        <mc:Fallback>
+        <mc:Fallback xmlns="">
           <p:sp>
             <p:nvSpPr>
               <p:cNvPr id="14" name="TextBox 13"/>
@@ -4222,8 +4230,8 @@
           </p:sp>
         </mc:Fallback>
       </mc:AlternateContent>
-      <mc:AlternateContent xmlns:mc="http://schemas.openxmlformats.org/markup-compatibility/2006">
-        <mc:Choice xmlns:a14="http://schemas.microsoft.com/office/drawing/2010/main" Requires="a14">
+      <mc:AlternateContent xmlns:mc="http://schemas.openxmlformats.org/markup-compatibility/2006" xmlns:a14="http://schemas.microsoft.com/office/drawing/2010/main">
+        <mc:Choice Requires="a14">
           <p:sp>
             <p:nvSpPr>
               <p:cNvPr id="30" name="TextBox 29"/>
@@ -4246,6 +4254,7 @@
               </a:bodyPr>
               <a:lstStyle/>
               <a:p>
+                <a:pPr/>
                 <a14:m>
                   <m:oMathPara xmlns:m="http://schemas.openxmlformats.org/officeDocument/2006/math">
                     <m:oMathParaPr>
@@ -4285,7 +4294,7 @@
             </p:txBody>
           </p:sp>
         </mc:Choice>
-        <mc:Fallback>
+        <mc:Fallback xmlns="">
           <p:sp>
             <p:nvSpPr>
               <p:cNvPr id="30" name="TextBox 29"/>
@@ -4324,8 +4333,8 @@
           </p:sp>
         </mc:Fallback>
       </mc:AlternateContent>
-      <mc:AlternateContent xmlns:mc="http://schemas.openxmlformats.org/markup-compatibility/2006">
-        <mc:Choice xmlns:a14="http://schemas.microsoft.com/office/drawing/2010/main" Requires="a14">
+      <mc:AlternateContent xmlns:mc="http://schemas.openxmlformats.org/markup-compatibility/2006" xmlns:a14="http://schemas.microsoft.com/office/drawing/2010/main">
+        <mc:Choice Requires="a14">
           <p:sp>
             <p:nvSpPr>
               <p:cNvPr id="31" name="TextBox 30"/>
@@ -4348,6 +4357,7 @@
               </a:bodyPr>
               <a:lstStyle/>
               <a:p>
+                <a:pPr/>
                 <a14:m>
                   <m:oMathPara xmlns:m="http://schemas.openxmlformats.org/officeDocument/2006/math">
                     <m:oMathParaPr>
@@ -4523,7 +4533,7 @@
             </p:txBody>
           </p:sp>
         </mc:Choice>
-        <mc:Fallback>
+        <mc:Fallback xmlns="">
           <p:sp>
             <p:nvSpPr>
               <p:cNvPr id="31" name="TextBox 30"/>
@@ -4562,8 +4572,8 @@
           </p:sp>
         </mc:Fallback>
       </mc:AlternateContent>
-      <mc:AlternateContent xmlns:mc="http://schemas.openxmlformats.org/markup-compatibility/2006">
-        <mc:Choice xmlns:a14="http://schemas.microsoft.com/office/drawing/2010/main" Requires="a14">
+      <mc:AlternateContent xmlns:mc="http://schemas.openxmlformats.org/markup-compatibility/2006" xmlns:a14="http://schemas.microsoft.com/office/drawing/2010/main">
+        <mc:Choice Requires="a14">
           <p:sp>
             <p:nvSpPr>
               <p:cNvPr id="33" name="TextBox 32"/>
@@ -4586,6 +4596,7 @@
               </a:bodyPr>
               <a:lstStyle/>
               <a:p>
+                <a:pPr/>
                 <a14:m>
                   <m:oMathPara xmlns:m="http://schemas.openxmlformats.org/officeDocument/2006/math">
                     <m:oMathParaPr>
@@ -4758,7 +4769,7 @@
             </p:txBody>
           </p:sp>
         </mc:Choice>
-        <mc:Fallback>
+        <mc:Fallback xmlns="">
           <p:sp>
             <p:nvSpPr>
               <p:cNvPr id="33" name="TextBox 32"/>
@@ -4811,8 +4822,8 @@
             <a:chExt cx="1325200" cy="945900"/>
           </a:xfrm>
         </p:grpSpPr>
-        <mc:AlternateContent xmlns:mc="http://schemas.openxmlformats.org/markup-compatibility/2006">
-          <mc:Choice xmlns:a14="http://schemas.microsoft.com/office/drawing/2010/main" Requires="a14">
+        <mc:AlternateContent xmlns:mc="http://schemas.openxmlformats.org/markup-compatibility/2006" xmlns:a14="http://schemas.microsoft.com/office/drawing/2010/main">
+          <mc:Choice Requires="a14">
             <p:sp>
               <p:nvSpPr>
                 <p:cNvPr id="56" name="TextBox 55"/>
@@ -4926,7 +4937,7 @@
               </p:txBody>
             </p:sp>
           </mc:Choice>
-          <mc:Fallback>
+          <mc:Fallback xmlns="">
             <p:sp>
               <p:nvSpPr>
                 <p:cNvPr id="56" name="TextBox 55"/>
@@ -5129,8 +5140,8 @@
             <a:chExt cx="6163878" cy="1760675"/>
           </a:xfrm>
         </p:grpSpPr>
-        <mc:AlternateContent xmlns:mc="http://schemas.openxmlformats.org/markup-compatibility/2006">
-          <mc:Choice xmlns:a14="http://schemas.microsoft.com/office/drawing/2010/main" Requires="a14">
+        <mc:AlternateContent xmlns:mc="http://schemas.openxmlformats.org/markup-compatibility/2006" xmlns:a14="http://schemas.microsoft.com/office/drawing/2010/main">
+          <mc:Choice Requires="a14">
             <p:sp>
               <p:nvSpPr>
                 <p:cNvPr id="63" name="TextBox 62"/>
@@ -5153,6 +5164,7 @@
                 </a:bodyPr>
                 <a:lstStyle/>
                 <a:p>
+                  <a:pPr/>
                   <a14:m>
                     <m:oMathPara xmlns:m="http://schemas.openxmlformats.org/officeDocument/2006/math">
                       <m:oMathParaPr>
@@ -5276,7 +5288,7 @@
               </p:txBody>
             </p:sp>
           </mc:Choice>
-          <mc:Fallback>
+          <mc:Fallback xmlns="">
             <p:sp>
               <p:nvSpPr>
                 <p:cNvPr id="63" name="TextBox 62"/>
@@ -5315,8 +5327,8 @@
             </p:sp>
           </mc:Fallback>
         </mc:AlternateContent>
-        <mc:AlternateContent xmlns:mc="http://schemas.openxmlformats.org/markup-compatibility/2006">
-          <mc:Choice xmlns:a14="http://schemas.microsoft.com/office/drawing/2010/main" Requires="a14">
+        <mc:AlternateContent xmlns:mc="http://schemas.openxmlformats.org/markup-compatibility/2006" xmlns:a14="http://schemas.microsoft.com/office/drawing/2010/main">
+          <mc:Choice Requires="a14">
             <p:sp>
               <p:nvSpPr>
                 <p:cNvPr id="64" name="Rectangle 63"/>
@@ -5338,6 +5350,7 @@
                 </a:bodyPr>
                 <a:lstStyle/>
                 <a:p>
+                  <a:pPr/>
                   <a14:m>
                     <m:oMathPara xmlns:m="http://schemas.openxmlformats.org/officeDocument/2006/math">
                       <m:oMathParaPr>
@@ -5438,7 +5451,7 @@
               </p:txBody>
             </p:sp>
           </mc:Choice>
-          <mc:Fallback>
+          <mc:Fallback xmlns="">
             <p:sp>
               <p:nvSpPr>
                 <p:cNvPr id="64" name="Rectangle 63"/>
@@ -5477,8 +5490,8 @@
             </p:sp>
           </mc:Fallback>
         </mc:AlternateContent>
-        <mc:AlternateContent xmlns:mc="http://schemas.openxmlformats.org/markup-compatibility/2006">
-          <mc:Choice xmlns:a14="http://schemas.microsoft.com/office/drawing/2010/main" Requires="a14">
+        <mc:AlternateContent xmlns:mc="http://schemas.openxmlformats.org/markup-compatibility/2006" xmlns:a14="http://schemas.microsoft.com/office/drawing/2010/main">
+          <mc:Choice Requires="a14">
             <p:sp>
               <p:nvSpPr>
                 <p:cNvPr id="65" name="Rectangle 64"/>
@@ -5500,6 +5513,7 @@
                 </a:bodyPr>
                 <a:lstStyle/>
                 <a:p>
+                  <a:pPr/>
                   <a14:m>
                     <m:oMathPara xmlns:m="http://schemas.openxmlformats.org/officeDocument/2006/math">
                       <m:oMathParaPr>
@@ -5569,7 +5583,7 @@
               </p:txBody>
             </p:sp>
           </mc:Choice>
-          <mc:Fallback>
+          <mc:Fallback xmlns="">
             <p:sp>
               <p:nvSpPr>
                 <p:cNvPr id="65" name="Rectangle 64"/>
@@ -5608,8 +5622,8 @@
             </p:sp>
           </mc:Fallback>
         </mc:AlternateContent>
-        <mc:AlternateContent xmlns:mc="http://schemas.openxmlformats.org/markup-compatibility/2006">
-          <mc:Choice xmlns:a14="http://schemas.microsoft.com/office/drawing/2010/main" Requires="a14">
+        <mc:AlternateContent xmlns:mc="http://schemas.openxmlformats.org/markup-compatibility/2006" xmlns:a14="http://schemas.microsoft.com/office/drawing/2010/main">
+          <mc:Choice Requires="a14">
             <p:sp>
               <p:nvSpPr>
                 <p:cNvPr id="66" name="TextBox 65"/>
@@ -5632,6 +5646,7 @@
                 </a:bodyPr>
                 <a:lstStyle/>
                 <a:p>
+                  <a:pPr/>
                   <a14:m>
                     <m:oMathPara xmlns:m="http://schemas.openxmlformats.org/officeDocument/2006/math">
                       <m:oMathParaPr>
@@ -5792,7 +5807,7 @@
               </p:txBody>
             </p:sp>
           </mc:Choice>
-          <mc:Fallback>
+          <mc:Fallback xmlns="">
             <p:sp>
               <p:nvSpPr>
                 <p:cNvPr id="66" name="TextBox 65"/>
@@ -5831,8 +5846,8 @@
             </p:sp>
           </mc:Fallback>
         </mc:AlternateContent>
-        <mc:AlternateContent xmlns:mc="http://schemas.openxmlformats.org/markup-compatibility/2006">
-          <mc:Choice xmlns:a14="http://schemas.microsoft.com/office/drawing/2010/main" Requires="a14">
+        <mc:AlternateContent xmlns:mc="http://schemas.openxmlformats.org/markup-compatibility/2006" xmlns:a14="http://schemas.microsoft.com/office/drawing/2010/main">
+          <mc:Choice Requires="a14">
             <p:sp>
               <p:nvSpPr>
                 <p:cNvPr id="69" name="TextBox 68"/>
@@ -5855,6 +5870,7 @@
                 </a:bodyPr>
                 <a:lstStyle/>
                 <a:p>
+                  <a:pPr/>
                   <a14:m>
                     <m:oMathPara xmlns:m="http://schemas.openxmlformats.org/officeDocument/2006/math">
                       <m:oMathParaPr>
@@ -6015,7 +6031,7 @@
               </p:txBody>
             </p:sp>
           </mc:Choice>
-          <mc:Fallback>
+          <mc:Fallback xmlns="">
             <p:sp>
               <p:nvSpPr>
                 <p:cNvPr id="69" name="TextBox 68"/>
@@ -6054,8 +6070,8 @@
             </p:sp>
           </mc:Fallback>
         </mc:AlternateContent>
-        <mc:AlternateContent xmlns:mc="http://schemas.openxmlformats.org/markup-compatibility/2006">
-          <mc:Choice xmlns:a14="http://schemas.microsoft.com/office/drawing/2010/main" Requires="a14">
+        <mc:AlternateContent xmlns:mc="http://schemas.openxmlformats.org/markup-compatibility/2006" xmlns:a14="http://schemas.microsoft.com/office/drawing/2010/main">
+          <mc:Choice Requires="a14">
             <p:sp>
               <p:nvSpPr>
                 <p:cNvPr id="70" name="TextBox 69"/>
@@ -6078,6 +6094,7 @@
                 </a:bodyPr>
                 <a:lstStyle/>
                 <a:p>
+                  <a:pPr/>
                   <a14:m>
                     <m:oMathPara xmlns:m="http://schemas.openxmlformats.org/officeDocument/2006/math">
                       <m:oMathParaPr>
@@ -6316,7 +6333,7 @@
               </p:txBody>
             </p:sp>
           </mc:Choice>
-          <mc:Fallback>
+          <mc:Fallback xmlns="">
             <p:sp>
               <p:nvSpPr>
                 <p:cNvPr id="70" name="TextBox 69"/>
@@ -7081,11 +7098,7 @@
                   <a:p>
                     <a:r>
                       <a:rPr lang="en-US" dirty="0" smtClean="0"/>
-                      <a:t>Pitch </a:t>
-                    </a:r>
-                    <a:r>
-                      <a:rPr lang="en-US" dirty="0" smtClean="0"/>
-                      <a:t>ref</a:t>
+                      <a:t>Pitch ref</a:t>
                     </a:r>
                     <a:endParaRPr lang="en-US" dirty="0"/>
                   </a:p>
@@ -7115,11 +7128,7 @@
                   <a:p>
                     <a:r>
                       <a:rPr lang="en-US" dirty="0" smtClean="0"/>
-                      <a:t>Yaw </a:t>
-                    </a:r>
-                    <a:r>
-                      <a:rPr lang="en-US" dirty="0" smtClean="0"/>
-                      <a:t>ref</a:t>
+                      <a:t>Yaw ref</a:t>
                     </a:r>
                     <a:endParaRPr lang="en-US" dirty="0"/>
                   </a:p>
@@ -7149,11 +7158,7 @@
                   <a:p>
                     <a:r>
                       <a:rPr lang="en-US" dirty="0" smtClean="0"/>
-                      <a:t>Throttle </a:t>
-                    </a:r>
-                    <a:r>
-                      <a:rPr lang="en-US" dirty="0" smtClean="0"/>
-                      <a:t>ref</a:t>
+                      <a:t>Throttle ref</a:t>
                     </a:r>
                     <a:endParaRPr lang="en-US" dirty="0"/>
                   </a:p>
@@ -7303,8 +7308,8 @@
                   </a:fontRef>
                 </p:style>
               </p:cxnSp>
-              <mc:AlternateContent xmlns:mc="http://schemas.openxmlformats.org/markup-compatibility/2006">
-                <mc:Choice xmlns:a14="http://schemas.microsoft.com/office/drawing/2010/main" Requires="a14">
+              <mc:AlternateContent xmlns:mc="http://schemas.openxmlformats.org/markup-compatibility/2006" xmlns:a14="http://schemas.microsoft.com/office/drawing/2010/main">
+                <mc:Choice Requires="a14">
                   <p:sp>
                     <p:nvSpPr>
                       <p:cNvPr id="30" name="TextBox 29"/>
@@ -7327,6 +7332,7 @@
                       </a:bodyPr>
                       <a:lstStyle/>
                       <a:p>
+                        <a:pPr/>
                         <a14:m>
                           <m:oMathPara xmlns:m="http://schemas.openxmlformats.org/officeDocument/2006/math">
                             <m:oMathParaPr>
@@ -7366,7 +7372,7 @@
                     </p:txBody>
                   </p:sp>
                 </mc:Choice>
-                <mc:Fallback>
+                <mc:Fallback xmlns="">
                   <p:sp>
                     <p:nvSpPr>
                       <p:cNvPr id="30" name="TextBox 29"/>
@@ -7405,8 +7411,8 @@
                   </p:sp>
                 </mc:Fallback>
               </mc:AlternateContent>
-              <mc:AlternateContent xmlns:mc="http://schemas.openxmlformats.org/markup-compatibility/2006">
-                <mc:Choice xmlns:a14="http://schemas.microsoft.com/office/drawing/2010/main" Requires="a14">
+              <mc:AlternateContent xmlns:mc="http://schemas.openxmlformats.org/markup-compatibility/2006" xmlns:a14="http://schemas.microsoft.com/office/drawing/2010/main">
+                <mc:Choice Requires="a14">
                   <p:sp>
                     <p:nvSpPr>
                       <p:cNvPr id="31" name="TextBox 30"/>
@@ -7429,6 +7435,7 @@
                       </a:bodyPr>
                       <a:lstStyle/>
                       <a:p>
+                        <a:pPr/>
                         <a14:m>
                           <m:oMathPara xmlns:m="http://schemas.openxmlformats.org/officeDocument/2006/math">
                             <m:oMathParaPr>
@@ -7468,7 +7475,7 @@
                     </p:txBody>
                   </p:sp>
                 </mc:Choice>
-                <mc:Fallback>
+                <mc:Fallback xmlns="">
                   <p:sp>
                     <p:nvSpPr>
                       <p:cNvPr id="31" name="TextBox 30"/>
@@ -7507,8 +7514,8 @@
                   </p:sp>
                 </mc:Fallback>
               </mc:AlternateContent>
-              <mc:AlternateContent xmlns:mc="http://schemas.openxmlformats.org/markup-compatibility/2006">
-                <mc:Choice xmlns:a14="http://schemas.microsoft.com/office/drawing/2010/main" Requires="a14">
+              <mc:AlternateContent xmlns:mc="http://schemas.openxmlformats.org/markup-compatibility/2006" xmlns:a14="http://schemas.microsoft.com/office/drawing/2010/main">
+                <mc:Choice Requires="a14">
                   <p:sp>
                     <p:nvSpPr>
                       <p:cNvPr id="32" name="TextBox 31"/>
@@ -7531,6 +7538,7 @@
                       </a:bodyPr>
                       <a:lstStyle/>
                       <a:p>
+                        <a:pPr/>
                         <a14:m>
                           <m:oMathPara xmlns:m="http://schemas.openxmlformats.org/officeDocument/2006/math">
                             <m:oMathParaPr>
@@ -7570,7 +7578,7 @@
                     </p:txBody>
                   </p:sp>
                 </mc:Choice>
-                <mc:Fallback>
+                <mc:Fallback xmlns="">
                   <p:sp>
                     <p:nvSpPr>
                       <p:cNvPr id="32" name="TextBox 31"/>
@@ -7609,8 +7617,8 @@
                   </p:sp>
                 </mc:Fallback>
               </mc:AlternateContent>
-              <mc:AlternateContent xmlns:mc="http://schemas.openxmlformats.org/markup-compatibility/2006">
-                <mc:Choice xmlns:a14="http://schemas.microsoft.com/office/drawing/2010/main" Requires="a14">
+              <mc:AlternateContent xmlns:mc="http://schemas.openxmlformats.org/markup-compatibility/2006" xmlns:a14="http://schemas.microsoft.com/office/drawing/2010/main">
+                <mc:Choice Requires="a14">
                   <p:sp>
                     <p:nvSpPr>
                       <p:cNvPr id="33" name="TextBox 32"/>
@@ -7633,6 +7641,7 @@
                       </a:bodyPr>
                       <a:lstStyle/>
                       <a:p>
+                        <a:pPr/>
                         <a14:m>
                           <m:oMathPara xmlns:m="http://schemas.openxmlformats.org/officeDocument/2006/math">
                             <m:oMathParaPr>
@@ -7672,7 +7681,7 @@
                     </p:txBody>
                   </p:sp>
                 </mc:Choice>
-                <mc:Fallback>
+                <mc:Fallback xmlns="">
                   <p:sp>
                     <p:nvSpPr>
                       <p:cNvPr id="33" name="TextBox 32"/>
@@ -7713,8 +7722,8 @@
               </mc:AlternateContent>
             </p:grpSp>
           </p:grpSp>
-          <mc:AlternateContent xmlns:mc="http://schemas.openxmlformats.org/markup-compatibility/2006">
-            <mc:Choice xmlns:a14="http://schemas.microsoft.com/office/drawing/2010/main" Requires="a14">
+          <mc:AlternateContent xmlns:mc="http://schemas.openxmlformats.org/markup-compatibility/2006" xmlns:a14="http://schemas.microsoft.com/office/drawing/2010/main">
+            <mc:Choice Requires="a14">
               <p:sp>
                 <p:nvSpPr>
                   <p:cNvPr id="36" name="Rectangle 35"/>
@@ -7787,7 +7796,7 @@
                 </p:txBody>
               </p:sp>
             </mc:Choice>
-            <mc:Fallback>
+            <mc:Fallback xmlns="">
               <p:sp>
                 <p:nvSpPr>
                   <p:cNvPr id="36" name="Rectangle 35"/>
@@ -7898,8 +7907,8 @@
               </a:fontRef>
             </p:style>
           </p:cxnSp>
-          <mc:AlternateContent xmlns:mc="http://schemas.openxmlformats.org/markup-compatibility/2006">
-            <mc:Choice xmlns:a14="http://schemas.microsoft.com/office/drawing/2010/main" Requires="a14">
+          <mc:AlternateContent xmlns:mc="http://schemas.openxmlformats.org/markup-compatibility/2006" xmlns:a14="http://schemas.microsoft.com/office/drawing/2010/main">
+            <mc:Choice Requires="a14">
               <p:sp>
                 <p:nvSpPr>
                   <p:cNvPr id="56" name="TextBox 55"/>
@@ -7922,6 +7931,7 @@
                   </a:bodyPr>
                   <a:lstStyle/>
                   <a:p>
+                    <a:pPr/>
                     <a14:m>
                       <m:oMathPara xmlns:m="http://schemas.openxmlformats.org/officeDocument/2006/math">
                         <m:oMathParaPr>
@@ -7961,7 +7971,7 @@
                 </p:txBody>
               </p:sp>
             </mc:Choice>
-            <mc:Fallback>
+            <mc:Fallback xmlns="">
               <p:sp>
                 <p:nvSpPr>
                   <p:cNvPr id="56" name="TextBox 55"/>
@@ -8000,8 +8010,8 @@
               </p:sp>
             </mc:Fallback>
           </mc:AlternateContent>
-          <mc:AlternateContent xmlns:mc="http://schemas.openxmlformats.org/markup-compatibility/2006">
-            <mc:Choice xmlns:a14="http://schemas.microsoft.com/office/drawing/2010/main" Requires="a14">
+          <mc:AlternateContent xmlns:mc="http://schemas.openxmlformats.org/markup-compatibility/2006" xmlns:a14="http://schemas.microsoft.com/office/drawing/2010/main">
+            <mc:Choice Requires="a14">
               <p:sp>
                 <p:nvSpPr>
                   <p:cNvPr id="57" name="TextBox 56"/>
@@ -8024,6 +8034,7 @@
                   </a:bodyPr>
                   <a:lstStyle/>
                   <a:p>
+                    <a:pPr/>
                     <a14:m>
                       <m:oMathPara xmlns:m="http://schemas.openxmlformats.org/officeDocument/2006/math">
                         <m:oMathParaPr>
@@ -8063,7 +8074,7 @@
                 </p:txBody>
               </p:sp>
             </mc:Choice>
-            <mc:Fallback>
+            <mc:Fallback xmlns="">
               <p:sp>
                 <p:nvSpPr>
                   <p:cNvPr id="57" name="TextBox 56"/>
@@ -8388,8 +8399,8 @@
             <a:chExt cx="5324902" cy="2185771"/>
           </a:xfrm>
         </p:grpSpPr>
-        <mc:AlternateContent xmlns:mc="http://schemas.openxmlformats.org/markup-compatibility/2006">
-          <mc:Choice xmlns:a14="http://schemas.microsoft.com/office/drawing/2010/main" Requires="a14">
+        <mc:AlternateContent xmlns:mc="http://schemas.openxmlformats.org/markup-compatibility/2006" xmlns:a14="http://schemas.microsoft.com/office/drawing/2010/main">
+          <mc:Choice Requires="a14">
             <p:sp>
               <p:nvSpPr>
                 <p:cNvPr id="5" name="Rectangle 4"/>
@@ -8465,7 +8476,7 @@
               </p:txBody>
             </p:sp>
           </mc:Choice>
-          <mc:Fallback>
+          <mc:Fallback xmlns="">
             <p:sp>
               <p:nvSpPr>
                 <p:cNvPr id="5" name="Rectangle 4"/>
@@ -8504,8 +8515,8 @@
             </p:sp>
           </mc:Fallback>
         </mc:AlternateContent>
-        <mc:AlternateContent xmlns:mc="http://schemas.openxmlformats.org/markup-compatibility/2006">
-          <mc:Choice xmlns:a14="http://schemas.microsoft.com/office/drawing/2010/main" Requires="a14">
+        <mc:AlternateContent xmlns:mc="http://schemas.openxmlformats.org/markup-compatibility/2006" xmlns:a14="http://schemas.microsoft.com/office/drawing/2010/main">
+          <mc:Choice Requires="a14">
             <p:sp>
               <p:nvSpPr>
                 <p:cNvPr id="6" name="Rectangle 5"/>
@@ -8581,7 +8592,7 @@
               </p:txBody>
             </p:sp>
           </mc:Choice>
-          <mc:Fallback>
+          <mc:Fallback xmlns="">
             <p:sp>
               <p:nvSpPr>
                 <p:cNvPr id="6" name="Rectangle 5"/>
@@ -8906,8 +8917,8 @@
             </a:p>
           </p:txBody>
         </p:sp>
-        <mc:AlternateContent xmlns:mc="http://schemas.openxmlformats.org/markup-compatibility/2006">
-          <mc:Choice xmlns:a14="http://schemas.microsoft.com/office/drawing/2010/main" Requires="a14">
+        <mc:AlternateContent xmlns:mc="http://schemas.openxmlformats.org/markup-compatibility/2006" xmlns:a14="http://schemas.microsoft.com/office/drawing/2010/main">
+          <mc:Choice Requires="a14">
             <p:sp>
               <p:nvSpPr>
                 <p:cNvPr id="32" name="TextBox 31"/>
@@ -8930,6 +8941,7 @@
                 </a:bodyPr>
                 <a:lstStyle/>
                 <a:p>
+                  <a:pPr/>
                   <a14:m>
                     <m:oMathPara xmlns:m="http://schemas.openxmlformats.org/officeDocument/2006/math">
                       <m:oMathParaPr>
@@ -8999,7 +9011,7 @@
               </p:txBody>
             </p:sp>
           </mc:Choice>
-          <mc:Fallback>
+          <mc:Fallback xmlns="">
             <p:sp>
               <p:nvSpPr>
                 <p:cNvPr id="32" name="TextBox 31"/>
@@ -9086,8 +9098,8 @@
             </a:p>
           </p:txBody>
         </p:sp>
-        <mc:AlternateContent xmlns:mc="http://schemas.openxmlformats.org/markup-compatibility/2006">
-          <mc:Choice xmlns:a14="http://schemas.microsoft.com/office/drawing/2010/main" Requires="a14">
+        <mc:AlternateContent xmlns:mc="http://schemas.openxmlformats.org/markup-compatibility/2006" xmlns:a14="http://schemas.microsoft.com/office/drawing/2010/main">
+          <mc:Choice Requires="a14">
             <p:sp>
               <p:nvSpPr>
                 <p:cNvPr id="35" name="TextBox 34"/>
@@ -9110,6 +9122,7 @@
                 </a:bodyPr>
                 <a:lstStyle/>
                 <a:p>
+                  <a:pPr/>
                   <a14:m>
                     <m:oMathPara xmlns:m="http://schemas.openxmlformats.org/officeDocument/2006/math">
                       <m:oMathParaPr>
@@ -9186,7 +9199,7 @@
               </p:txBody>
             </p:sp>
           </mc:Choice>
-          <mc:Fallback>
+          <mc:Fallback xmlns="">
             <p:sp>
               <p:nvSpPr>
                 <p:cNvPr id="35" name="TextBox 34"/>
@@ -9240,8 +9253,8 @@
             <a:chExt cx="11499040" cy="1685245"/>
           </a:xfrm>
         </p:grpSpPr>
-        <mc:AlternateContent xmlns:mc="http://schemas.openxmlformats.org/markup-compatibility/2006">
-          <mc:Choice xmlns:a14="http://schemas.microsoft.com/office/drawing/2010/main" Requires="a14">
+        <mc:AlternateContent xmlns:mc="http://schemas.openxmlformats.org/markup-compatibility/2006" xmlns:a14="http://schemas.microsoft.com/office/drawing/2010/main">
+          <mc:Choice Requires="a14">
             <p:sp>
               <p:nvSpPr>
                 <p:cNvPr id="37" name="TextBox 36"/>
@@ -9264,6 +9277,7 @@
                 </a:bodyPr>
                 <a:lstStyle/>
                 <a:p>
+                  <a:pPr/>
                   <a14:m>
                     <m:oMathPara xmlns:m="http://schemas.openxmlformats.org/officeDocument/2006/math">
                       <m:oMathParaPr>
@@ -9407,7 +9421,7 @@
               </p:txBody>
             </p:sp>
           </mc:Choice>
-          <mc:Fallback>
+          <mc:Fallback xmlns="">
             <p:sp>
               <p:nvSpPr>
                 <p:cNvPr id="37" name="TextBox 36"/>
@@ -9446,8 +9460,8 @@
             </p:sp>
           </mc:Fallback>
         </mc:AlternateContent>
-        <mc:AlternateContent xmlns:mc="http://schemas.openxmlformats.org/markup-compatibility/2006">
-          <mc:Choice xmlns:a14="http://schemas.microsoft.com/office/drawing/2010/main" Requires="a14">
+        <mc:AlternateContent xmlns:mc="http://schemas.openxmlformats.org/markup-compatibility/2006" xmlns:a14="http://schemas.microsoft.com/office/drawing/2010/main">
+          <mc:Choice Requires="a14">
             <p:sp>
               <p:nvSpPr>
                 <p:cNvPr id="38" name="TextBox 37"/>
@@ -9470,6 +9484,7 @@
                 </a:bodyPr>
                 <a:lstStyle/>
                 <a:p>
+                  <a:pPr/>
                   <a14:m>
                     <m:oMathPara xmlns:m="http://schemas.openxmlformats.org/officeDocument/2006/math">
                       <m:oMathParaPr>
@@ -9695,7 +9710,7 @@
               </p:txBody>
             </p:sp>
           </mc:Choice>
-          <mc:Fallback>
+          <mc:Fallback xmlns="">
             <p:sp>
               <p:nvSpPr>
                 <p:cNvPr id="38" name="TextBox 37"/>
@@ -9734,8 +9749,8 @@
             </p:sp>
           </mc:Fallback>
         </mc:AlternateContent>
-        <mc:AlternateContent xmlns:mc="http://schemas.openxmlformats.org/markup-compatibility/2006">
-          <mc:Choice xmlns:a14="http://schemas.microsoft.com/office/drawing/2010/main" Requires="a14">
+        <mc:AlternateContent xmlns:mc="http://schemas.openxmlformats.org/markup-compatibility/2006" xmlns:a14="http://schemas.microsoft.com/office/drawing/2010/main">
+          <mc:Choice Requires="a14">
             <p:sp>
               <p:nvSpPr>
                 <p:cNvPr id="42" name="Right Arrow 41"/>
@@ -9812,7 +9827,7 @@
               </p:txBody>
             </p:sp>
           </mc:Choice>
-          <mc:Fallback>
+          <mc:Fallback xmlns="">
             <p:sp>
               <p:nvSpPr>
                 <p:cNvPr id="42" name="Right Arrow 41"/>
@@ -9851,8 +9866,8 @@
             </p:sp>
           </mc:Fallback>
         </mc:AlternateContent>
-        <mc:AlternateContent xmlns:mc="http://schemas.openxmlformats.org/markup-compatibility/2006">
-          <mc:Choice xmlns:a14="http://schemas.microsoft.com/office/drawing/2010/main" Requires="a14">
+        <mc:AlternateContent xmlns:mc="http://schemas.openxmlformats.org/markup-compatibility/2006" xmlns:a14="http://schemas.microsoft.com/office/drawing/2010/main">
+          <mc:Choice Requires="a14">
             <p:sp>
               <p:nvSpPr>
                 <p:cNvPr id="43" name="TextBox 42"/>
@@ -9875,6 +9890,7 @@
                 </a:bodyPr>
                 <a:lstStyle/>
                 <a:p>
+                  <a:pPr/>
                   <a14:m>
                     <m:oMathPara xmlns:m="http://schemas.openxmlformats.org/officeDocument/2006/math">
                       <m:oMathParaPr>
@@ -10052,7 +10068,7 @@
               </p:txBody>
             </p:sp>
           </mc:Choice>
-          <mc:Fallback>
+          <mc:Fallback xmlns="">
             <p:sp>
               <p:nvSpPr>
                 <p:cNvPr id="43" name="TextBox 42"/>
@@ -10091,8 +10107,8 @@
             </p:sp>
           </mc:Fallback>
         </mc:AlternateContent>
-        <mc:AlternateContent xmlns:mc="http://schemas.openxmlformats.org/markup-compatibility/2006">
-          <mc:Choice xmlns:a14="http://schemas.microsoft.com/office/drawing/2010/main" Requires="a14">
+        <mc:AlternateContent xmlns:mc="http://schemas.openxmlformats.org/markup-compatibility/2006" xmlns:a14="http://schemas.microsoft.com/office/drawing/2010/main">
+          <mc:Choice Requires="a14">
             <p:sp>
               <p:nvSpPr>
                 <p:cNvPr id="44" name="TextBox 43"/>
@@ -10115,6 +10131,7 @@
                 </a:bodyPr>
                 <a:lstStyle/>
                 <a:p>
+                  <a:pPr/>
                   <a14:m>
                     <m:oMathPara xmlns:m="http://schemas.openxmlformats.org/officeDocument/2006/math">
                       <m:oMathParaPr>
@@ -10330,7 +10347,7 @@
               </p:txBody>
             </p:sp>
           </mc:Choice>
-          <mc:Fallback>
+          <mc:Fallback xmlns="">
             <p:sp>
               <p:nvSpPr>
                 <p:cNvPr id="44" name="TextBox 43"/>
@@ -10407,8 +10424,8 @@
             </a:p>
           </p:txBody>
         </p:sp>
-        <mc:AlternateContent xmlns:mc="http://schemas.openxmlformats.org/markup-compatibility/2006">
-          <mc:Choice xmlns:a14="http://schemas.microsoft.com/office/drawing/2010/main" Requires="a14">
+        <mc:AlternateContent xmlns:mc="http://schemas.openxmlformats.org/markup-compatibility/2006" xmlns:a14="http://schemas.microsoft.com/office/drawing/2010/main">
+          <mc:Choice Requires="a14">
             <p:sp>
               <p:nvSpPr>
                 <p:cNvPr id="46" name="Rectangle 45"/>
@@ -10430,6 +10447,7 @@
                 </a:bodyPr>
                 <a:lstStyle/>
                 <a:p>
+                  <a:pPr/>
                   <a14:m>
                     <m:oMathPara xmlns:m="http://schemas.openxmlformats.org/officeDocument/2006/math">
                       <m:oMathParaPr>
@@ -10439,7 +10457,7 @@
                         <m:f>
                           <m:fPr>
                             <m:ctrlPr>
-                              <a:rPr lang="en-US" sz="2000" b="0" i="0" smtClean="0">
+                              <a:rPr lang="en-US" sz="2000" b="0" i="1" smtClean="0">
                                 <a:latin typeface="Cambria Math" panose="02040503050406030204" pitchFamily="18" charset="0"/>
                                 <a:ea typeface="Cambria Math" panose="02040503050406030204" pitchFamily="18" charset="0"/>
                               </a:rPr>
@@ -10538,7 +10556,7 @@
               </p:txBody>
             </p:sp>
           </mc:Choice>
-          <mc:Fallback>
+          <mc:Fallback xmlns="">
             <p:sp>
               <p:nvSpPr>
                 <p:cNvPr id="46" name="Rectangle 45"/>
@@ -10577,8 +10595,8 @@
             </p:sp>
           </mc:Fallback>
         </mc:AlternateContent>
-        <mc:AlternateContent xmlns:mc="http://schemas.openxmlformats.org/markup-compatibility/2006">
-          <mc:Choice xmlns:a14="http://schemas.microsoft.com/office/drawing/2010/main" Requires="a14">
+        <mc:AlternateContent xmlns:mc="http://schemas.openxmlformats.org/markup-compatibility/2006" xmlns:a14="http://schemas.microsoft.com/office/drawing/2010/main">
+          <mc:Choice Requires="a14">
             <p:sp>
               <p:nvSpPr>
                 <p:cNvPr id="47" name="Rectangle 46"/>
@@ -10600,6 +10618,7 @@
                 </a:bodyPr>
                 <a:lstStyle/>
                 <a:p>
+                  <a:pPr/>
                   <a14:m>
                     <m:oMathPara xmlns:m="http://schemas.openxmlformats.org/officeDocument/2006/math">
                       <m:oMathParaPr>
@@ -10609,7 +10628,7 @@
                         <m:f>
                           <m:fPr>
                             <m:ctrlPr>
-                              <a:rPr lang="en-US" sz="2000" b="0" i="0" smtClean="0">
+                              <a:rPr lang="en-US" sz="2000" b="0" i="1" smtClean="0">
                                 <a:latin typeface="Cambria Math" panose="02040503050406030204" pitchFamily="18" charset="0"/>
                                 <a:ea typeface="Cambria Math" panose="02040503050406030204" pitchFamily="18" charset="0"/>
                               </a:rPr>
@@ -10694,7 +10713,7 @@
               </p:txBody>
             </p:sp>
           </mc:Choice>
-          <mc:Fallback>
+          <mc:Fallback xmlns="">
             <p:sp>
               <p:nvSpPr>
                 <p:cNvPr id="47" name="Rectangle 46"/>
@@ -10827,8 +10846,8 @@
             <a:chExt cx="11695968" cy="2646410"/>
           </a:xfrm>
         </p:grpSpPr>
-        <mc:AlternateContent xmlns:mc="http://schemas.openxmlformats.org/markup-compatibility/2006">
-          <mc:Choice xmlns:a14="http://schemas.microsoft.com/office/drawing/2010/main" Requires="a14">
+        <mc:AlternateContent xmlns:mc="http://schemas.openxmlformats.org/markup-compatibility/2006" xmlns:a14="http://schemas.microsoft.com/office/drawing/2010/main">
+          <mc:Choice Requires="a14">
             <p:sp>
               <p:nvSpPr>
                 <p:cNvPr id="49" name="Isosceles Triangle 48"/>
@@ -10920,7 +10939,7 @@
               </p:txBody>
             </p:sp>
           </mc:Choice>
-          <mc:Fallback>
+          <mc:Fallback xmlns="">
             <p:sp>
               <p:nvSpPr>
                 <p:cNvPr id="49" name="Isosceles Triangle 48"/>
@@ -11036,8 +11055,8 @@
             </a:fontRef>
           </p:style>
         </p:cxnSp>
-        <mc:AlternateContent xmlns:mc="http://schemas.openxmlformats.org/markup-compatibility/2006">
-          <mc:Choice xmlns:a14="http://schemas.microsoft.com/office/drawing/2010/main" Requires="a14">
+        <mc:AlternateContent xmlns:mc="http://schemas.openxmlformats.org/markup-compatibility/2006" xmlns:a14="http://schemas.microsoft.com/office/drawing/2010/main">
+          <mc:Choice Requires="a14">
             <p:sp>
               <p:nvSpPr>
                 <p:cNvPr id="14" name="TextBox 13"/>
@@ -11060,6 +11079,7 @@
                 </a:bodyPr>
                 <a:lstStyle/>
                 <a:p>
+                  <a:pPr/>
                   <a14:m>
                     <m:oMathPara xmlns:m="http://schemas.openxmlformats.org/officeDocument/2006/math">
                       <m:oMathParaPr>
@@ -11111,7 +11131,7 @@
               </p:txBody>
             </p:sp>
           </mc:Choice>
-          <mc:Fallback>
+          <mc:Fallback xmlns="">
             <p:sp>
               <p:nvSpPr>
                 <p:cNvPr id="14" name="TextBox 13"/>
@@ -11150,8 +11170,8 @@
             </p:sp>
           </mc:Fallback>
         </mc:AlternateContent>
-        <mc:AlternateContent xmlns:mc="http://schemas.openxmlformats.org/markup-compatibility/2006">
-          <mc:Choice xmlns:a14="http://schemas.microsoft.com/office/drawing/2010/main" Requires="a14">
+        <mc:AlternateContent xmlns:mc="http://schemas.openxmlformats.org/markup-compatibility/2006" xmlns:a14="http://schemas.microsoft.com/office/drawing/2010/main">
+          <mc:Choice Requires="a14">
             <p:sp>
               <p:nvSpPr>
                 <p:cNvPr id="50" name="Isosceles Triangle 49"/>
@@ -11243,7 +11263,7 @@
               </p:txBody>
             </p:sp>
           </mc:Choice>
-          <mc:Fallback>
+          <mc:Fallback xmlns="">
             <p:sp>
               <p:nvSpPr>
                 <p:cNvPr id="50" name="Isosceles Triangle 49"/>
@@ -11282,8 +11302,8 @@
             </p:sp>
           </mc:Fallback>
         </mc:AlternateContent>
-        <mc:AlternateContent xmlns:mc="http://schemas.openxmlformats.org/markup-compatibility/2006">
-          <mc:Choice xmlns:a14="http://schemas.microsoft.com/office/drawing/2010/main" Requires="a14">
+        <mc:AlternateContent xmlns:mc="http://schemas.openxmlformats.org/markup-compatibility/2006" xmlns:a14="http://schemas.microsoft.com/office/drawing/2010/main">
+          <mc:Choice Requires="a14">
             <p:sp>
               <p:nvSpPr>
                 <p:cNvPr id="52" name="Rectangle 51"/>
@@ -11362,7 +11382,7 @@
               </p:txBody>
             </p:sp>
           </mc:Choice>
-          <mc:Fallback>
+          <mc:Fallback xmlns="">
             <p:sp>
               <p:nvSpPr>
                 <p:cNvPr id="52" name="Rectangle 51"/>
@@ -11401,8 +11421,8 @@
             </p:sp>
           </mc:Fallback>
         </mc:AlternateContent>
-        <mc:AlternateContent xmlns:mc="http://schemas.openxmlformats.org/markup-compatibility/2006">
-          <mc:Choice xmlns:a14="http://schemas.microsoft.com/office/drawing/2010/main" Requires="a14">
+        <mc:AlternateContent xmlns:mc="http://schemas.openxmlformats.org/markup-compatibility/2006" xmlns:a14="http://schemas.microsoft.com/office/drawing/2010/main">
+          <mc:Choice Requires="a14">
             <p:sp>
               <p:nvSpPr>
                 <p:cNvPr id="53" name="Rectangle 52"/>
@@ -11462,7 +11482,7 @@
               </p:txBody>
             </p:sp>
           </mc:Choice>
-          <mc:Fallback>
+          <mc:Fallback xmlns="">
             <p:sp>
               <p:nvSpPr>
                 <p:cNvPr id="53" name="Rectangle 52"/>
@@ -11501,8 +11521,8 @@
             </p:sp>
           </mc:Fallback>
         </mc:AlternateContent>
-        <mc:AlternateContent xmlns:mc="http://schemas.openxmlformats.org/markup-compatibility/2006">
-          <mc:Choice xmlns:a14="http://schemas.microsoft.com/office/drawing/2010/main" Requires="a14">
+        <mc:AlternateContent xmlns:mc="http://schemas.openxmlformats.org/markup-compatibility/2006" xmlns:a14="http://schemas.microsoft.com/office/drawing/2010/main">
+          <mc:Choice Requires="a14">
             <p:sp>
               <p:nvSpPr>
                 <p:cNvPr id="54" name="Isosceles Triangle 53"/>
@@ -11594,7 +11614,7 @@
               </p:txBody>
             </p:sp>
           </mc:Choice>
-          <mc:Fallback>
+          <mc:Fallback xmlns="">
             <p:sp>
               <p:nvSpPr>
                 <p:cNvPr id="54" name="Isosceles Triangle 53"/>
@@ -11947,8 +11967,8 @@
             </a:fontRef>
           </p:style>
         </p:cxnSp>
-        <mc:AlternateContent xmlns:mc="http://schemas.openxmlformats.org/markup-compatibility/2006">
-          <mc:Choice xmlns:a14="http://schemas.microsoft.com/office/drawing/2010/main" Requires="a14">
+        <mc:AlternateContent xmlns:mc="http://schemas.openxmlformats.org/markup-compatibility/2006" xmlns:a14="http://schemas.microsoft.com/office/drawing/2010/main">
+          <mc:Choice Requires="a14">
             <p:sp>
               <p:nvSpPr>
                 <p:cNvPr id="92" name="TextBox 91"/>
@@ -11971,6 +11991,7 @@
                 </a:bodyPr>
                 <a:lstStyle/>
                 <a:p>
+                  <a:pPr/>
                   <a14:m>
                     <m:oMathPara xmlns:m="http://schemas.openxmlformats.org/officeDocument/2006/math">
                       <m:oMathParaPr>
@@ -12003,7 +12024,7 @@
               </p:txBody>
             </p:sp>
           </mc:Choice>
-          <mc:Fallback>
+          <mc:Fallback xmlns="">
             <p:sp>
               <p:nvSpPr>
                 <p:cNvPr id="92" name="TextBox 91"/>
@@ -12118,8 +12139,8 @@
             </a:fontRef>
           </p:style>
         </p:cxnSp>
-        <mc:AlternateContent xmlns:mc="http://schemas.openxmlformats.org/markup-compatibility/2006">
-          <mc:Choice xmlns:a14="http://schemas.microsoft.com/office/drawing/2010/main" Requires="a14">
+        <mc:AlternateContent xmlns:mc="http://schemas.openxmlformats.org/markup-compatibility/2006" xmlns:a14="http://schemas.microsoft.com/office/drawing/2010/main">
+          <mc:Choice Requires="a14">
             <p:sp>
               <p:nvSpPr>
                 <p:cNvPr id="153" name="TextBox 152"/>
@@ -12142,6 +12163,7 @@
                 </a:bodyPr>
                 <a:lstStyle/>
                 <a:p>
+                  <a:pPr/>
                   <a14:m>
                     <m:oMathPara xmlns:m="http://schemas.openxmlformats.org/officeDocument/2006/math">
                       <m:oMathParaPr>
@@ -12181,7 +12203,7 @@
               </p:txBody>
             </p:sp>
           </mc:Choice>
-          <mc:Fallback>
+          <mc:Fallback xmlns="">
             <p:sp>
               <p:nvSpPr>
                 <p:cNvPr id="153" name="TextBox 152"/>
@@ -12220,8 +12242,8 @@
             </p:sp>
           </mc:Fallback>
         </mc:AlternateContent>
-        <mc:AlternateContent xmlns:mc="http://schemas.openxmlformats.org/markup-compatibility/2006">
-          <mc:Choice xmlns:a14="http://schemas.microsoft.com/office/drawing/2010/main" Requires="a14">
+        <mc:AlternateContent xmlns:mc="http://schemas.openxmlformats.org/markup-compatibility/2006" xmlns:a14="http://schemas.microsoft.com/office/drawing/2010/main">
+          <mc:Choice Requires="a14">
             <p:sp>
               <p:nvSpPr>
                 <p:cNvPr id="164" name="Isosceles Triangle 163"/>
@@ -12313,7 +12335,7 @@
               </p:txBody>
             </p:sp>
           </mc:Choice>
-          <mc:Fallback>
+          <mc:Fallback xmlns="">
             <p:sp>
               <p:nvSpPr>
                 <p:cNvPr id="164" name="Isosceles Triangle 163"/>
@@ -12460,8 +12482,8 @@
             </a:p>
           </p:txBody>
         </p:sp>
-        <mc:AlternateContent xmlns:mc="http://schemas.openxmlformats.org/markup-compatibility/2006">
-          <mc:Choice xmlns:a14="http://schemas.microsoft.com/office/drawing/2010/main" Requires="a14">
+        <mc:AlternateContent xmlns:mc="http://schemas.openxmlformats.org/markup-compatibility/2006" xmlns:a14="http://schemas.microsoft.com/office/drawing/2010/main">
+          <mc:Choice Requires="a14">
             <p:sp>
               <p:nvSpPr>
                 <p:cNvPr id="173" name="Rectangle 172"/>
@@ -12557,7 +12579,7 @@
               </p:txBody>
             </p:sp>
           </mc:Choice>
-          <mc:Fallback>
+          <mc:Fallback xmlns="">
             <p:sp>
               <p:nvSpPr>
                 <p:cNvPr id="173" name="Rectangle 172"/>
@@ -12635,8 +12657,8 @@
             </a:fontRef>
           </p:style>
         </p:cxnSp>
-        <mc:AlternateContent xmlns:mc="http://schemas.openxmlformats.org/markup-compatibility/2006">
-          <mc:Choice xmlns:a14="http://schemas.microsoft.com/office/drawing/2010/main" Requires="a14">
+        <mc:AlternateContent xmlns:mc="http://schemas.openxmlformats.org/markup-compatibility/2006" xmlns:a14="http://schemas.microsoft.com/office/drawing/2010/main">
+          <mc:Choice Requires="a14">
             <p:sp>
               <p:nvSpPr>
                 <p:cNvPr id="192" name="Rectangle 191"/>
@@ -12760,7 +12782,7 @@
               </p:txBody>
             </p:sp>
           </mc:Choice>
-          <mc:Fallback>
+          <mc:Fallback xmlns="">
             <p:sp>
               <p:nvSpPr>
                 <p:cNvPr id="192" name="Rectangle 191"/>
@@ -12799,8 +12821,8 @@
             </p:sp>
           </mc:Fallback>
         </mc:AlternateContent>
-        <mc:AlternateContent xmlns:mc="http://schemas.openxmlformats.org/markup-compatibility/2006">
-          <mc:Choice xmlns:a14="http://schemas.microsoft.com/office/drawing/2010/main" Requires="a14">
+        <mc:AlternateContent xmlns:mc="http://schemas.openxmlformats.org/markup-compatibility/2006" xmlns:a14="http://schemas.microsoft.com/office/drawing/2010/main">
+          <mc:Choice Requires="a14">
             <p:sp>
               <p:nvSpPr>
                 <p:cNvPr id="197" name="TextBox 196"/>
@@ -12823,6 +12845,7 @@
                 </a:bodyPr>
                 <a:lstStyle/>
                 <a:p>
+                  <a:pPr/>
                   <a14:m>
                     <m:oMathPara xmlns:m="http://schemas.openxmlformats.org/officeDocument/2006/math">
                       <m:oMathParaPr>
@@ -12862,7 +12885,7 @@
               </p:txBody>
             </p:sp>
           </mc:Choice>
-          <mc:Fallback>
+          <mc:Fallback xmlns="">
             <p:sp>
               <p:nvSpPr>
                 <p:cNvPr id="197" name="TextBox 196"/>
@@ -12940,8 +12963,8 @@
             </a:fontRef>
           </p:style>
         </p:cxnSp>
-        <mc:AlternateContent xmlns:mc="http://schemas.openxmlformats.org/markup-compatibility/2006">
-          <mc:Choice xmlns:a14="http://schemas.microsoft.com/office/drawing/2010/main" Requires="a14">
+        <mc:AlternateContent xmlns:mc="http://schemas.openxmlformats.org/markup-compatibility/2006" xmlns:a14="http://schemas.microsoft.com/office/drawing/2010/main">
+          <mc:Choice Requires="a14">
             <p:sp>
               <p:nvSpPr>
                 <p:cNvPr id="199" name="TextBox 198"/>
@@ -12964,6 +12987,7 @@
                 </a:bodyPr>
                 <a:lstStyle/>
                 <a:p>
+                  <a:pPr/>
                   <a14:m>
                     <m:oMathPara xmlns:m="http://schemas.openxmlformats.org/officeDocument/2006/math">
                       <m:oMathParaPr>
@@ -13003,7 +13027,7 @@
               </p:txBody>
             </p:sp>
           </mc:Choice>
-          <mc:Fallback>
+          <mc:Fallback xmlns="">
             <p:sp>
               <p:nvSpPr>
                 <p:cNvPr id="199" name="TextBox 198"/>
@@ -13042,8 +13066,8 @@
             </p:sp>
           </mc:Fallback>
         </mc:AlternateContent>
-        <mc:AlternateContent xmlns:mc="http://schemas.openxmlformats.org/markup-compatibility/2006">
-          <mc:Choice xmlns:a14="http://schemas.microsoft.com/office/drawing/2010/main" Requires="a14">
+        <mc:AlternateContent xmlns:mc="http://schemas.openxmlformats.org/markup-compatibility/2006" xmlns:a14="http://schemas.microsoft.com/office/drawing/2010/main">
+          <mc:Choice Requires="a14">
             <p:sp>
               <p:nvSpPr>
                 <p:cNvPr id="203" name="Rectangle 202"/>
@@ -13125,7 +13149,7 @@
               </p:txBody>
             </p:sp>
           </mc:Choice>
-          <mc:Fallback>
+          <mc:Fallback xmlns="">
             <p:sp>
               <p:nvSpPr>
                 <p:cNvPr id="203" name="Rectangle 202"/>
@@ -13200,8 +13224,8 @@
             </a:fontRef>
           </p:style>
         </p:cxnSp>
-        <mc:AlternateContent xmlns:mc="http://schemas.openxmlformats.org/markup-compatibility/2006">
-          <mc:Choice xmlns:a14="http://schemas.microsoft.com/office/drawing/2010/main" Requires="a14">
+        <mc:AlternateContent xmlns:mc="http://schemas.openxmlformats.org/markup-compatibility/2006" xmlns:a14="http://schemas.microsoft.com/office/drawing/2010/main">
+          <mc:Choice Requires="a14">
             <p:sp>
               <p:nvSpPr>
                 <p:cNvPr id="211" name="TextBox 210"/>
@@ -13224,6 +13248,7 @@
                 </a:bodyPr>
                 <a:lstStyle/>
                 <a:p>
+                  <a:pPr/>
                   <a14:m>
                     <m:oMathPara xmlns:m="http://schemas.openxmlformats.org/officeDocument/2006/math">
                       <m:oMathParaPr>
@@ -13244,7 +13269,7 @@
               </p:txBody>
             </p:sp>
           </mc:Choice>
-          <mc:Fallback>
+          <mc:Fallback xmlns="">
             <p:sp>
               <p:nvSpPr>
                 <p:cNvPr id="211" name="TextBox 210"/>
@@ -13283,8 +13308,8 @@
             </p:sp>
           </mc:Fallback>
         </mc:AlternateContent>
-        <mc:AlternateContent xmlns:mc="http://schemas.openxmlformats.org/markup-compatibility/2006">
-          <mc:Choice xmlns:a14="http://schemas.microsoft.com/office/drawing/2010/main" Requires="a14">
+        <mc:AlternateContent xmlns:mc="http://schemas.openxmlformats.org/markup-compatibility/2006" xmlns:a14="http://schemas.microsoft.com/office/drawing/2010/main">
+          <mc:Choice Requires="a14">
             <p:sp>
               <p:nvSpPr>
                 <p:cNvPr id="214" name="Rectangle 213"/>
@@ -13366,7 +13391,7 @@
               </p:txBody>
             </p:sp>
           </mc:Choice>
-          <mc:Fallback>
+          <mc:Fallback xmlns="">
             <p:sp>
               <p:nvSpPr>
                 <p:cNvPr id="214" name="Rectangle 213"/>
@@ -13538,8 +13563,8 @@
             <a:chExt cx="11695968" cy="2646410"/>
           </a:xfrm>
         </p:grpSpPr>
-        <mc:AlternateContent xmlns:mc="http://schemas.openxmlformats.org/markup-compatibility/2006">
-          <mc:Choice xmlns:a14="http://schemas.microsoft.com/office/drawing/2010/main" Requires="a14">
+        <mc:AlternateContent xmlns:mc="http://schemas.openxmlformats.org/markup-compatibility/2006" xmlns:a14="http://schemas.microsoft.com/office/drawing/2010/main">
+          <mc:Choice Requires="a14">
             <p:sp>
               <p:nvSpPr>
                 <p:cNvPr id="231" name="Isosceles Triangle 230"/>
@@ -13631,7 +13656,7 @@
               </p:txBody>
             </p:sp>
           </mc:Choice>
-          <mc:Fallback>
+          <mc:Fallback xmlns="">
             <p:sp>
               <p:nvSpPr>
                 <p:cNvPr id="231" name="Isosceles Triangle 230"/>
@@ -13747,8 +13772,8 @@
             </a:fontRef>
           </p:style>
         </p:cxnSp>
-        <mc:AlternateContent xmlns:mc="http://schemas.openxmlformats.org/markup-compatibility/2006">
-          <mc:Choice xmlns:a14="http://schemas.microsoft.com/office/drawing/2010/main" Requires="a14">
+        <mc:AlternateContent xmlns:mc="http://schemas.openxmlformats.org/markup-compatibility/2006" xmlns:a14="http://schemas.microsoft.com/office/drawing/2010/main">
+          <mc:Choice Requires="a14">
             <p:sp>
               <p:nvSpPr>
                 <p:cNvPr id="234" name="TextBox 233"/>
@@ -13771,6 +13796,7 @@
                 </a:bodyPr>
                 <a:lstStyle/>
                 <a:p>
+                  <a:pPr/>
                   <a14:m>
                     <m:oMathPara xmlns:m="http://schemas.openxmlformats.org/officeDocument/2006/math">
                       <m:oMathParaPr>
@@ -13822,7 +13848,7 @@
               </p:txBody>
             </p:sp>
           </mc:Choice>
-          <mc:Fallback>
+          <mc:Fallback xmlns="">
             <p:sp>
               <p:nvSpPr>
                 <p:cNvPr id="234" name="TextBox 233"/>
@@ -13861,8 +13887,8 @@
             </p:sp>
           </mc:Fallback>
         </mc:AlternateContent>
-        <mc:AlternateContent xmlns:mc="http://schemas.openxmlformats.org/markup-compatibility/2006">
-          <mc:Choice xmlns:a14="http://schemas.microsoft.com/office/drawing/2010/main" Requires="a14">
+        <mc:AlternateContent xmlns:mc="http://schemas.openxmlformats.org/markup-compatibility/2006" xmlns:a14="http://schemas.microsoft.com/office/drawing/2010/main">
+          <mc:Choice Requires="a14">
             <p:sp>
               <p:nvSpPr>
                 <p:cNvPr id="235" name="Isosceles Triangle 234"/>
@@ -13954,7 +13980,7 @@
               </p:txBody>
             </p:sp>
           </mc:Choice>
-          <mc:Fallback>
+          <mc:Fallback xmlns="">
             <p:sp>
               <p:nvSpPr>
                 <p:cNvPr id="235" name="Isosceles Triangle 234"/>
@@ -13993,8 +14019,8 @@
             </p:sp>
           </mc:Fallback>
         </mc:AlternateContent>
-        <mc:AlternateContent xmlns:mc="http://schemas.openxmlformats.org/markup-compatibility/2006">
-          <mc:Choice xmlns:a14="http://schemas.microsoft.com/office/drawing/2010/main" Requires="a14">
+        <mc:AlternateContent xmlns:mc="http://schemas.openxmlformats.org/markup-compatibility/2006" xmlns:a14="http://schemas.microsoft.com/office/drawing/2010/main">
+          <mc:Choice Requires="a14">
             <p:sp>
               <p:nvSpPr>
                 <p:cNvPr id="236" name="Rectangle 235"/>
@@ -14073,7 +14099,7 @@
               </p:txBody>
             </p:sp>
           </mc:Choice>
-          <mc:Fallback>
+          <mc:Fallback xmlns="">
             <p:sp>
               <p:nvSpPr>
                 <p:cNvPr id="236" name="Rectangle 235"/>
@@ -14112,8 +14138,8 @@
             </p:sp>
           </mc:Fallback>
         </mc:AlternateContent>
-        <mc:AlternateContent xmlns:mc="http://schemas.openxmlformats.org/markup-compatibility/2006">
-          <mc:Choice xmlns:a14="http://schemas.microsoft.com/office/drawing/2010/main" Requires="a14">
+        <mc:AlternateContent xmlns:mc="http://schemas.openxmlformats.org/markup-compatibility/2006" xmlns:a14="http://schemas.microsoft.com/office/drawing/2010/main">
+          <mc:Choice Requires="a14">
             <p:sp>
               <p:nvSpPr>
                 <p:cNvPr id="237" name="Rectangle 236"/>
@@ -14173,7 +14199,7 @@
               </p:txBody>
             </p:sp>
           </mc:Choice>
-          <mc:Fallback>
+          <mc:Fallback xmlns="">
             <p:sp>
               <p:nvSpPr>
                 <p:cNvPr id="237" name="Rectangle 236"/>
@@ -14212,8 +14238,8 @@
             </p:sp>
           </mc:Fallback>
         </mc:AlternateContent>
-        <mc:AlternateContent xmlns:mc="http://schemas.openxmlformats.org/markup-compatibility/2006">
-          <mc:Choice xmlns:a14="http://schemas.microsoft.com/office/drawing/2010/main" Requires="a14">
+        <mc:AlternateContent xmlns:mc="http://schemas.openxmlformats.org/markup-compatibility/2006" xmlns:a14="http://schemas.microsoft.com/office/drawing/2010/main">
+          <mc:Choice Requires="a14">
             <p:sp>
               <p:nvSpPr>
                 <p:cNvPr id="238" name="Isosceles Triangle 237"/>
@@ -14305,7 +14331,7 @@
               </p:txBody>
             </p:sp>
           </mc:Choice>
-          <mc:Fallback>
+          <mc:Fallback xmlns="">
             <p:sp>
               <p:nvSpPr>
                 <p:cNvPr id="238" name="Isosceles Triangle 237"/>
@@ -14658,8 +14684,8 @@
             </a:fontRef>
           </p:style>
         </p:cxnSp>
-        <mc:AlternateContent xmlns:mc="http://schemas.openxmlformats.org/markup-compatibility/2006">
-          <mc:Choice xmlns:a14="http://schemas.microsoft.com/office/drawing/2010/main" Requires="a14">
+        <mc:AlternateContent xmlns:mc="http://schemas.openxmlformats.org/markup-compatibility/2006" xmlns:a14="http://schemas.microsoft.com/office/drawing/2010/main">
+          <mc:Choice Requires="a14">
             <p:sp>
               <p:nvSpPr>
                 <p:cNvPr id="247" name="TextBox 246"/>
@@ -14682,6 +14708,7 @@
                 </a:bodyPr>
                 <a:lstStyle/>
                 <a:p>
+                  <a:pPr/>
                   <a14:m>
                     <m:oMathPara xmlns:m="http://schemas.openxmlformats.org/officeDocument/2006/math">
                       <m:oMathParaPr>
@@ -14714,7 +14741,7 @@
               </p:txBody>
             </p:sp>
           </mc:Choice>
-          <mc:Fallback>
+          <mc:Fallback xmlns="">
             <p:sp>
               <p:nvSpPr>
                 <p:cNvPr id="247" name="TextBox 246"/>
@@ -14829,8 +14856,8 @@
             </a:fontRef>
           </p:style>
         </p:cxnSp>
-        <mc:AlternateContent xmlns:mc="http://schemas.openxmlformats.org/markup-compatibility/2006">
-          <mc:Choice xmlns:a14="http://schemas.microsoft.com/office/drawing/2010/main" Requires="a14">
+        <mc:AlternateContent xmlns:mc="http://schemas.openxmlformats.org/markup-compatibility/2006" xmlns:a14="http://schemas.microsoft.com/office/drawing/2010/main">
+          <mc:Choice Requires="a14">
             <p:sp>
               <p:nvSpPr>
                 <p:cNvPr id="250" name="TextBox 249"/>
@@ -14853,6 +14880,7 @@
                 </a:bodyPr>
                 <a:lstStyle/>
                 <a:p>
+                  <a:pPr/>
                   <a14:m>
                     <m:oMathPara xmlns:m="http://schemas.openxmlformats.org/officeDocument/2006/math">
                       <m:oMathParaPr>
@@ -14892,7 +14920,7 @@
               </p:txBody>
             </p:sp>
           </mc:Choice>
-          <mc:Fallback>
+          <mc:Fallback xmlns="">
             <p:sp>
               <p:nvSpPr>
                 <p:cNvPr id="250" name="TextBox 249"/>
@@ -14931,8 +14959,8 @@
             </p:sp>
           </mc:Fallback>
         </mc:AlternateContent>
-        <mc:AlternateContent xmlns:mc="http://schemas.openxmlformats.org/markup-compatibility/2006">
-          <mc:Choice xmlns:a14="http://schemas.microsoft.com/office/drawing/2010/main" Requires="a14">
+        <mc:AlternateContent xmlns:mc="http://schemas.openxmlformats.org/markup-compatibility/2006" xmlns:a14="http://schemas.microsoft.com/office/drawing/2010/main">
+          <mc:Choice Requires="a14">
             <p:sp>
               <p:nvSpPr>
                 <p:cNvPr id="251" name="Isosceles Triangle 250"/>
@@ -15024,7 +15052,7 @@
               </p:txBody>
             </p:sp>
           </mc:Choice>
-          <mc:Fallback>
+          <mc:Fallback xmlns="">
             <p:sp>
               <p:nvSpPr>
                 <p:cNvPr id="251" name="Isosceles Triangle 250"/>
@@ -15171,8 +15199,8 @@
             </a:p>
           </p:txBody>
         </p:sp>
-        <mc:AlternateContent xmlns:mc="http://schemas.openxmlformats.org/markup-compatibility/2006">
-          <mc:Choice xmlns:a14="http://schemas.microsoft.com/office/drawing/2010/main" Requires="a14">
+        <mc:AlternateContent xmlns:mc="http://schemas.openxmlformats.org/markup-compatibility/2006" xmlns:a14="http://schemas.microsoft.com/office/drawing/2010/main">
+          <mc:Choice Requires="a14">
             <p:sp>
               <p:nvSpPr>
                 <p:cNvPr id="255" name="Rectangle 254"/>
@@ -15268,7 +15296,7 @@
               </p:txBody>
             </p:sp>
           </mc:Choice>
-          <mc:Fallback>
+          <mc:Fallback xmlns="">
             <p:sp>
               <p:nvSpPr>
                 <p:cNvPr id="255" name="Rectangle 254"/>
@@ -15346,8 +15374,8 @@
             </a:fontRef>
           </p:style>
         </p:cxnSp>
-        <mc:AlternateContent xmlns:mc="http://schemas.openxmlformats.org/markup-compatibility/2006">
-          <mc:Choice xmlns:a14="http://schemas.microsoft.com/office/drawing/2010/main" Requires="a14">
+        <mc:AlternateContent xmlns:mc="http://schemas.openxmlformats.org/markup-compatibility/2006" xmlns:a14="http://schemas.microsoft.com/office/drawing/2010/main">
+          <mc:Choice Requires="a14">
             <p:sp>
               <p:nvSpPr>
                 <p:cNvPr id="257" name="Rectangle 256"/>
@@ -15463,7 +15491,7 @@
               </p:txBody>
             </p:sp>
           </mc:Choice>
-          <mc:Fallback>
+          <mc:Fallback xmlns="">
             <p:sp>
               <p:nvSpPr>
                 <p:cNvPr id="257" name="Rectangle 256"/>
@@ -15502,8 +15530,8 @@
             </p:sp>
           </mc:Fallback>
         </mc:AlternateContent>
-        <mc:AlternateContent xmlns:mc="http://schemas.openxmlformats.org/markup-compatibility/2006">
-          <mc:Choice xmlns:a14="http://schemas.microsoft.com/office/drawing/2010/main" Requires="a14">
+        <mc:AlternateContent xmlns:mc="http://schemas.openxmlformats.org/markup-compatibility/2006" xmlns:a14="http://schemas.microsoft.com/office/drawing/2010/main">
+          <mc:Choice Requires="a14">
             <p:sp>
               <p:nvSpPr>
                 <p:cNvPr id="258" name="TextBox 257"/>
@@ -15526,6 +15554,7 @@
                 </a:bodyPr>
                 <a:lstStyle/>
                 <a:p>
+                  <a:pPr/>
                   <a14:m>
                     <m:oMathPara xmlns:m="http://schemas.openxmlformats.org/officeDocument/2006/math">
                       <m:oMathParaPr>
@@ -15565,7 +15594,7 @@
               </p:txBody>
             </p:sp>
           </mc:Choice>
-          <mc:Fallback>
+          <mc:Fallback xmlns="">
             <p:sp>
               <p:nvSpPr>
                 <p:cNvPr id="258" name="TextBox 257"/>
@@ -15643,8 +15672,8 @@
             </a:fontRef>
           </p:style>
         </p:cxnSp>
-        <mc:AlternateContent xmlns:mc="http://schemas.openxmlformats.org/markup-compatibility/2006">
-          <mc:Choice xmlns:a14="http://schemas.microsoft.com/office/drawing/2010/main" Requires="a14">
+        <mc:AlternateContent xmlns:mc="http://schemas.openxmlformats.org/markup-compatibility/2006" xmlns:a14="http://schemas.microsoft.com/office/drawing/2010/main">
+          <mc:Choice Requires="a14">
             <p:sp>
               <p:nvSpPr>
                 <p:cNvPr id="260" name="TextBox 259"/>
@@ -15667,6 +15696,7 @@
                 </a:bodyPr>
                 <a:lstStyle/>
                 <a:p>
+                  <a:pPr/>
                   <a14:m>
                     <m:oMathPara xmlns:m="http://schemas.openxmlformats.org/officeDocument/2006/math">
                       <m:oMathParaPr>
@@ -15706,7 +15736,7 @@
               </p:txBody>
             </p:sp>
           </mc:Choice>
-          <mc:Fallback>
+          <mc:Fallback xmlns="">
             <p:sp>
               <p:nvSpPr>
                 <p:cNvPr id="260" name="TextBox 259"/>
@@ -15745,8 +15775,8 @@
             </p:sp>
           </mc:Fallback>
         </mc:AlternateContent>
-        <mc:AlternateContent xmlns:mc="http://schemas.openxmlformats.org/markup-compatibility/2006">
-          <mc:Choice xmlns:a14="http://schemas.microsoft.com/office/drawing/2010/main" Requires="a14">
+        <mc:AlternateContent xmlns:mc="http://schemas.openxmlformats.org/markup-compatibility/2006" xmlns:a14="http://schemas.microsoft.com/office/drawing/2010/main">
+          <mc:Choice Requires="a14">
             <p:sp>
               <p:nvSpPr>
                 <p:cNvPr id="261" name="Rectangle 260"/>
@@ -15828,7 +15858,7 @@
               </p:txBody>
             </p:sp>
           </mc:Choice>
-          <mc:Fallback>
+          <mc:Fallback xmlns="">
             <p:sp>
               <p:nvSpPr>
                 <p:cNvPr id="261" name="Rectangle 260"/>
@@ -15903,8 +15933,8 @@
             </a:fontRef>
           </p:style>
         </p:cxnSp>
-        <mc:AlternateContent xmlns:mc="http://schemas.openxmlformats.org/markup-compatibility/2006">
-          <mc:Choice xmlns:a14="http://schemas.microsoft.com/office/drawing/2010/main" Requires="a14">
+        <mc:AlternateContent xmlns:mc="http://schemas.openxmlformats.org/markup-compatibility/2006" xmlns:a14="http://schemas.microsoft.com/office/drawing/2010/main">
+          <mc:Choice Requires="a14">
             <p:sp>
               <p:nvSpPr>
                 <p:cNvPr id="263" name="TextBox 262"/>
@@ -15927,6 +15957,7 @@
                 </a:bodyPr>
                 <a:lstStyle/>
                 <a:p>
+                  <a:pPr/>
                   <a14:m>
                     <m:oMathPara xmlns:m="http://schemas.openxmlformats.org/officeDocument/2006/math">
                       <m:oMathParaPr>
@@ -15947,7 +15978,7 @@
               </p:txBody>
             </p:sp>
           </mc:Choice>
-          <mc:Fallback>
+          <mc:Fallback xmlns="">
             <p:sp>
               <p:nvSpPr>
                 <p:cNvPr id="263" name="TextBox 262"/>
@@ -15986,8 +16017,8 @@
             </p:sp>
           </mc:Fallback>
         </mc:AlternateContent>
-        <mc:AlternateContent xmlns:mc="http://schemas.openxmlformats.org/markup-compatibility/2006">
-          <mc:Choice xmlns:a14="http://schemas.microsoft.com/office/drawing/2010/main" Requires="a14">
+        <mc:AlternateContent xmlns:mc="http://schemas.openxmlformats.org/markup-compatibility/2006" xmlns:a14="http://schemas.microsoft.com/office/drawing/2010/main">
+          <mc:Choice Requires="a14">
             <p:sp>
               <p:nvSpPr>
                 <p:cNvPr id="264" name="Rectangle 263"/>
@@ -16069,7 +16100,7 @@
               </p:txBody>
             </p:sp>
           </mc:Choice>
-          <mc:Fallback>
+          <mc:Fallback xmlns="">
             <p:sp>
               <p:nvSpPr>
                 <p:cNvPr id="264" name="Rectangle 263"/>
@@ -16320,8 +16351,8 @@
             <a:chExt cx="7983263" cy="2646410"/>
           </a:xfrm>
         </p:grpSpPr>
-        <mc:AlternateContent xmlns:mc="http://schemas.openxmlformats.org/markup-compatibility/2006">
-          <mc:Choice xmlns:a14="http://schemas.microsoft.com/office/drawing/2010/main" Requires="a14">
+        <mc:AlternateContent xmlns:mc="http://schemas.openxmlformats.org/markup-compatibility/2006" xmlns:a14="http://schemas.microsoft.com/office/drawing/2010/main">
+          <mc:Choice Requires="a14">
             <p:sp>
               <p:nvSpPr>
                 <p:cNvPr id="27" name="Isosceles Triangle 26"/>
@@ -16413,7 +16444,7 @@
               </p:txBody>
             </p:sp>
           </mc:Choice>
-          <mc:Fallback>
+          <mc:Fallback xmlns="">
             <p:sp>
               <p:nvSpPr>
                 <p:cNvPr id="27" name="Isosceles Triangle 26"/>
@@ -16452,8 +16483,8 @@
             </p:sp>
           </mc:Fallback>
         </mc:AlternateContent>
-        <mc:AlternateContent xmlns:mc="http://schemas.openxmlformats.org/markup-compatibility/2006">
-          <mc:Choice xmlns:a14="http://schemas.microsoft.com/office/drawing/2010/main" Requires="a14">
+        <mc:AlternateContent xmlns:mc="http://schemas.openxmlformats.org/markup-compatibility/2006" xmlns:a14="http://schemas.microsoft.com/office/drawing/2010/main">
+          <mc:Choice Requires="a14">
             <p:sp>
               <p:nvSpPr>
                 <p:cNvPr id="39" name="Isosceles Triangle 38"/>
@@ -16545,7 +16576,7 @@
               </p:txBody>
             </p:sp>
           </mc:Choice>
-          <mc:Fallback>
+          <mc:Fallback xmlns="">
             <p:sp>
               <p:nvSpPr>
                 <p:cNvPr id="39" name="Isosceles Triangle 38"/>
@@ -16584,8 +16615,8 @@
             </p:sp>
           </mc:Fallback>
         </mc:AlternateContent>
-        <mc:AlternateContent xmlns:mc="http://schemas.openxmlformats.org/markup-compatibility/2006">
-          <mc:Choice xmlns:a14="http://schemas.microsoft.com/office/drawing/2010/main" Requires="a14">
+        <mc:AlternateContent xmlns:mc="http://schemas.openxmlformats.org/markup-compatibility/2006" xmlns:a14="http://schemas.microsoft.com/office/drawing/2010/main">
+          <mc:Choice Requires="a14">
             <p:sp>
               <p:nvSpPr>
                 <p:cNvPr id="40" name="Rectangle 39"/>
@@ -16664,7 +16695,7 @@
               </p:txBody>
             </p:sp>
           </mc:Choice>
-          <mc:Fallback>
+          <mc:Fallback xmlns="">
             <p:sp>
               <p:nvSpPr>
                 <p:cNvPr id="40" name="Rectangle 39"/>
@@ -16703,8 +16734,8 @@
             </p:sp>
           </mc:Fallback>
         </mc:AlternateContent>
-        <mc:AlternateContent xmlns:mc="http://schemas.openxmlformats.org/markup-compatibility/2006">
-          <mc:Choice xmlns:a14="http://schemas.microsoft.com/office/drawing/2010/main" Requires="a14">
+        <mc:AlternateContent xmlns:mc="http://schemas.openxmlformats.org/markup-compatibility/2006" xmlns:a14="http://schemas.microsoft.com/office/drawing/2010/main">
+          <mc:Choice Requires="a14">
             <p:sp>
               <p:nvSpPr>
                 <p:cNvPr id="41" name="Rectangle 40"/>
@@ -16764,7 +16795,7 @@
               </p:txBody>
             </p:sp>
           </mc:Choice>
-          <mc:Fallback>
+          <mc:Fallback xmlns="">
             <p:sp>
               <p:nvSpPr>
                 <p:cNvPr id="41" name="Rectangle 40"/>
@@ -16803,8 +16834,8 @@
             </p:sp>
           </mc:Fallback>
         </mc:AlternateContent>
-        <mc:AlternateContent xmlns:mc="http://schemas.openxmlformats.org/markup-compatibility/2006">
-          <mc:Choice xmlns:a14="http://schemas.microsoft.com/office/drawing/2010/main" Requires="a14">
+        <mc:AlternateContent xmlns:mc="http://schemas.openxmlformats.org/markup-compatibility/2006" xmlns:a14="http://schemas.microsoft.com/office/drawing/2010/main">
+          <mc:Choice Requires="a14">
             <p:sp>
               <p:nvSpPr>
                 <p:cNvPr id="48" name="Isosceles Triangle 47"/>
@@ -16896,7 +16927,7 @@
               </p:txBody>
             </p:sp>
           </mc:Choice>
-          <mc:Fallback>
+          <mc:Fallback xmlns="">
             <p:sp>
               <p:nvSpPr>
                 <p:cNvPr id="48" name="Isosceles Triangle 47"/>
@@ -17325,8 +17356,8 @@
             </a:fontRef>
           </p:style>
         </p:cxnSp>
-        <mc:AlternateContent xmlns:mc="http://schemas.openxmlformats.org/markup-compatibility/2006">
-          <mc:Choice xmlns:a14="http://schemas.microsoft.com/office/drawing/2010/main" Requires="a14">
+        <mc:AlternateContent xmlns:mc="http://schemas.openxmlformats.org/markup-compatibility/2006" xmlns:a14="http://schemas.microsoft.com/office/drawing/2010/main">
+          <mc:Choice Requires="a14">
             <p:sp>
               <p:nvSpPr>
                 <p:cNvPr id="61" name="TextBox 60"/>
@@ -17349,6 +17380,7 @@
                 </a:bodyPr>
                 <a:lstStyle/>
                 <a:p>
+                  <a:pPr/>
                   <a14:m>
                     <m:oMathPara xmlns:m="http://schemas.openxmlformats.org/officeDocument/2006/math">
                       <m:oMathParaPr>
@@ -17388,7 +17420,7 @@
               </p:txBody>
             </p:sp>
           </mc:Choice>
-          <mc:Fallback>
+          <mc:Fallback xmlns="">
             <p:sp>
               <p:nvSpPr>
                 <p:cNvPr id="61" name="TextBox 60"/>
@@ -17496,8 +17528,8 @@
             </a:p>
           </p:txBody>
         </p:sp>
-        <mc:AlternateContent xmlns:mc="http://schemas.openxmlformats.org/markup-compatibility/2006">
-          <mc:Choice xmlns:a14="http://schemas.microsoft.com/office/drawing/2010/main" Requires="a14">
+        <mc:AlternateContent xmlns:mc="http://schemas.openxmlformats.org/markup-compatibility/2006" xmlns:a14="http://schemas.microsoft.com/office/drawing/2010/main">
+          <mc:Choice Requires="a14">
             <p:sp>
               <p:nvSpPr>
                 <p:cNvPr id="66" name="Rectangle 65"/>
@@ -17593,7 +17625,7 @@
               </p:txBody>
             </p:sp>
           </mc:Choice>
-          <mc:Fallback>
+          <mc:Fallback xmlns="">
             <p:sp>
               <p:nvSpPr>
                 <p:cNvPr id="66" name="Rectangle 65"/>
@@ -17671,8 +17703,8 @@
             </a:fontRef>
           </p:style>
         </p:cxnSp>
-        <mc:AlternateContent xmlns:mc="http://schemas.openxmlformats.org/markup-compatibility/2006">
-          <mc:Choice xmlns:a14="http://schemas.microsoft.com/office/drawing/2010/main" Requires="a14">
+        <mc:AlternateContent xmlns:mc="http://schemas.openxmlformats.org/markup-compatibility/2006" xmlns:a14="http://schemas.microsoft.com/office/drawing/2010/main">
+          <mc:Choice Requires="a14">
             <p:sp>
               <p:nvSpPr>
                 <p:cNvPr id="68" name="Rectangle 67"/>
@@ -17775,7 +17807,7 @@
               </p:txBody>
             </p:sp>
           </mc:Choice>
-          <mc:Fallback>
+          <mc:Fallback xmlns="">
             <p:sp>
               <p:nvSpPr>
                 <p:cNvPr id="68" name="Rectangle 67"/>
@@ -17814,8 +17846,8 @@
             </p:sp>
           </mc:Fallback>
         </mc:AlternateContent>
-        <mc:AlternateContent xmlns:mc="http://schemas.openxmlformats.org/markup-compatibility/2006">
-          <mc:Choice xmlns:a14="http://schemas.microsoft.com/office/drawing/2010/main" Requires="a14">
+        <mc:AlternateContent xmlns:mc="http://schemas.openxmlformats.org/markup-compatibility/2006" xmlns:a14="http://schemas.microsoft.com/office/drawing/2010/main">
+          <mc:Choice Requires="a14">
             <p:sp>
               <p:nvSpPr>
                 <p:cNvPr id="69" name="TextBox 68"/>
@@ -17838,6 +17870,7 @@
                 </a:bodyPr>
                 <a:lstStyle/>
                 <a:p>
+                  <a:pPr/>
                   <a14:m>
                     <m:oMathPara xmlns:m="http://schemas.openxmlformats.org/officeDocument/2006/math">
                       <m:oMathParaPr>
@@ -17877,7 +17910,7 @@
               </p:txBody>
             </p:sp>
           </mc:Choice>
-          <mc:Fallback>
+          <mc:Fallback xmlns="">
             <p:sp>
               <p:nvSpPr>
                 <p:cNvPr id="69" name="TextBox 68"/>
@@ -17954,8 +17987,8 @@
             </a:fontRef>
           </p:style>
         </p:cxnSp>
-        <mc:AlternateContent xmlns:mc="http://schemas.openxmlformats.org/markup-compatibility/2006">
-          <mc:Choice xmlns:a14="http://schemas.microsoft.com/office/drawing/2010/main" Requires="a14">
+        <mc:AlternateContent xmlns:mc="http://schemas.openxmlformats.org/markup-compatibility/2006" xmlns:a14="http://schemas.microsoft.com/office/drawing/2010/main">
+          <mc:Choice Requires="a14">
             <p:sp>
               <p:nvSpPr>
                 <p:cNvPr id="71" name="TextBox 70"/>
@@ -17978,6 +18011,7 @@
                 </a:bodyPr>
                 <a:lstStyle/>
                 <a:p>
+                  <a:pPr/>
                   <a14:m>
                     <m:oMathPara xmlns:m="http://schemas.openxmlformats.org/officeDocument/2006/math">
                       <m:oMathParaPr>
@@ -17998,7 +18032,7 @@
               </p:txBody>
             </p:sp>
           </mc:Choice>
-          <mc:Fallback>
+          <mc:Fallback xmlns="">
             <p:sp>
               <p:nvSpPr>
                 <p:cNvPr id="71" name="TextBox 70"/>
@@ -18048,8 +18082,8 @@
           </p:nvCxnSpPr>
           <p:spPr>
             <a:xfrm flipV="1">
-              <a:off x="2890138" y="1709868"/>
-              <a:ext cx="1" cy="471488"/>
+              <a:off x="2888582" y="1709868"/>
+              <a:ext cx="1557" cy="471488"/>
             </a:xfrm>
             <a:prstGeom prst="straightConnector1">
               <a:avLst/>
@@ -18086,8 +18120,8 @@
               </p:nvSpPr>
               <p:spPr>
                 <a:xfrm>
-                  <a:off x="2488233" y="2181356"/>
-                  <a:ext cx="803810" cy="369332"/>
+                  <a:off x="2342118" y="2181356"/>
+                  <a:ext cx="1092928" cy="369332"/>
                 </a:xfrm>
                 <a:prstGeom prst="rect">
                   <a:avLst/>
@@ -18100,6 +18134,7 @@
                 </a:bodyPr>
                 <a:lstStyle/>
                 <a:p>
+                  <a:pPr/>
                   <a14:m>
                     <m:oMathPara xmlns:m="http://schemas.openxmlformats.org/officeDocument/2006/math">
                       <m:oMathParaPr>
@@ -18127,7 +18162,7 @@
                               <a:rPr lang="en-US" b="0" i="1" smtClean="0">
                                 <a:latin typeface="Cambria Math" panose="02040503050406030204" pitchFamily="18" charset="0"/>
                               </a:rPr>
-                              <m:t>𝑣𝑖𝑐𝑜𝑛</m:t>
+                              <m:t>𝑒𝑠𝑡𝑖𝑚𝑎𝑡𝑒</m:t>
                             </m:r>
                           </m:sub>
                         </m:sSub>
@@ -18150,8 +18185,8 @@
               </p:nvSpPr>
               <p:spPr>
                 <a:xfrm>
-                  <a:off x="2488233" y="2181356"/>
-                  <a:ext cx="803810" cy="369332"/>
+                  <a:off x="2342118" y="2181356"/>
+                  <a:ext cx="1092928" cy="369332"/>
                 </a:xfrm>
                 <a:prstGeom prst="rect">
                   <a:avLst/>
@@ -18311,8 +18346,8 @@
             </a:fontRef>
           </p:style>
         </p:cxnSp>
-        <mc:AlternateContent xmlns:mc="http://schemas.openxmlformats.org/markup-compatibility/2006">
-          <mc:Choice xmlns:a14="http://schemas.microsoft.com/office/drawing/2010/main" Requires="a14">
+        <mc:AlternateContent xmlns:mc="http://schemas.openxmlformats.org/markup-compatibility/2006" xmlns:a14="http://schemas.microsoft.com/office/drawing/2010/main">
+          <mc:Choice Requires="a14">
             <p:sp>
               <p:nvSpPr>
                 <p:cNvPr id="116" name="Isosceles Triangle 115"/>
@@ -18404,7 +18439,7 @@
               </p:txBody>
             </p:sp>
           </mc:Choice>
-          <mc:Fallback>
+          <mc:Fallback xmlns="">
             <p:sp>
               <p:nvSpPr>
                 <p:cNvPr id="116" name="Isosceles Triangle 115"/>
@@ -18443,8 +18478,8 @@
             </p:sp>
           </mc:Fallback>
         </mc:AlternateContent>
-        <mc:AlternateContent xmlns:mc="http://schemas.openxmlformats.org/markup-compatibility/2006">
-          <mc:Choice xmlns:a14="http://schemas.microsoft.com/office/drawing/2010/main" Requires="a14">
+        <mc:AlternateContent xmlns:mc="http://schemas.openxmlformats.org/markup-compatibility/2006" xmlns:a14="http://schemas.microsoft.com/office/drawing/2010/main">
+          <mc:Choice Requires="a14">
             <p:sp>
               <p:nvSpPr>
                 <p:cNvPr id="117" name="Isosceles Triangle 116"/>
@@ -18536,7 +18571,7 @@
               </p:txBody>
             </p:sp>
           </mc:Choice>
-          <mc:Fallback>
+          <mc:Fallback xmlns="">
             <p:sp>
               <p:nvSpPr>
                 <p:cNvPr id="117" name="Isosceles Triangle 116"/>
@@ -18772,8 +18807,8 @@
             </a:fontRef>
           </p:style>
         </p:cxnSp>
-        <mc:AlternateContent xmlns:mc="http://schemas.openxmlformats.org/markup-compatibility/2006">
-          <mc:Choice xmlns:a14="http://schemas.microsoft.com/office/drawing/2010/main" Requires="a14">
+        <mc:AlternateContent xmlns:mc="http://schemas.openxmlformats.org/markup-compatibility/2006" xmlns:a14="http://schemas.microsoft.com/office/drawing/2010/main">
+          <mc:Choice Requires="a14">
             <p:sp>
               <p:nvSpPr>
                 <p:cNvPr id="124" name="Rectangle 123"/>
@@ -18852,7 +18887,7 @@
               </p:txBody>
             </p:sp>
           </mc:Choice>
-          <mc:Fallback>
+          <mc:Fallback xmlns="">
             <p:sp>
               <p:nvSpPr>
                 <p:cNvPr id="124" name="Rectangle 123"/>
@@ -18929,8 +18964,8 @@
             </a:p>
           </p:txBody>
         </p:sp>
-        <mc:AlternateContent xmlns:mc="http://schemas.openxmlformats.org/markup-compatibility/2006">
-          <mc:Choice xmlns:a14="http://schemas.microsoft.com/office/drawing/2010/main" Requires="a14">
+        <mc:AlternateContent xmlns:mc="http://schemas.openxmlformats.org/markup-compatibility/2006" xmlns:a14="http://schemas.microsoft.com/office/drawing/2010/main">
+          <mc:Choice Requires="a14">
             <p:sp>
               <p:nvSpPr>
                 <p:cNvPr id="58" name="TextBox 57"/>
@@ -18953,6 +18988,7 @@
                 </a:bodyPr>
                 <a:lstStyle/>
                 <a:p>
+                  <a:pPr/>
                   <a14:m>
                     <m:oMathPara xmlns:m="http://schemas.openxmlformats.org/officeDocument/2006/math">
                       <m:oMathParaPr>
@@ -19004,7 +19040,7 @@
               </p:txBody>
             </p:sp>
           </mc:Choice>
-          <mc:Fallback>
+          <mc:Fallback xmlns="">
             <p:sp>
               <p:nvSpPr>
                 <p:cNvPr id="58" name="TextBox 57"/>
@@ -19131,7 +19167,7 @@
               <p:spPr>
                 <a:xfrm>
                   <a:off x="2104532" y="2876426"/>
-                  <a:ext cx="818429" cy="369332"/>
+                  <a:ext cx="1107547" cy="369332"/>
                 </a:xfrm>
                 <a:prstGeom prst="rect">
                   <a:avLst/>
@@ -19144,6 +19180,7 @@
                 </a:bodyPr>
                 <a:lstStyle/>
                 <a:p>
+                  <a:pPr/>
                   <a14:m>
                     <m:oMathPara xmlns:m="http://schemas.openxmlformats.org/officeDocument/2006/math">
                       <m:oMathParaPr>
@@ -19171,7 +19208,7 @@
                               <a:rPr lang="en-US" b="0" i="1" smtClean="0">
                                 <a:latin typeface="Cambria Math" panose="02040503050406030204" pitchFamily="18" charset="0"/>
                               </a:rPr>
-                              <m:t>𝑣𝑖𝑐𝑜𝑛</m:t>
+                              <m:t>𝑒𝑠𝑡𝑖𝑚𝑎𝑡𝑒</m:t>
                             </m:r>
                           </m:sub>
                         </m:sSub>
@@ -19195,7 +19232,7 @@
               <p:spPr>
                 <a:xfrm>
                   <a:off x="2104532" y="2876426"/>
-                  <a:ext cx="818429" cy="369332"/>
+                  <a:ext cx="1107547" cy="369332"/>
                 </a:xfrm>
                 <a:prstGeom prst="rect">
                   <a:avLst/>
@@ -19222,8 +19259,8 @@
             </p:sp>
           </mc:Fallback>
         </mc:AlternateContent>
-        <mc:AlternateContent xmlns:mc="http://schemas.openxmlformats.org/markup-compatibility/2006">
-          <mc:Choice xmlns:a14="http://schemas.microsoft.com/office/drawing/2010/main" Requires="a14">
+        <mc:AlternateContent xmlns:mc="http://schemas.openxmlformats.org/markup-compatibility/2006" xmlns:a14="http://schemas.microsoft.com/office/drawing/2010/main">
+          <mc:Choice Requires="a14">
             <p:sp>
               <p:nvSpPr>
                 <p:cNvPr id="73" name="Rectangle 72"/>
@@ -19283,7 +19320,7 @@
               </p:txBody>
             </p:sp>
           </mc:Choice>
-          <mc:Fallback>
+          <mc:Fallback xmlns="">
             <p:sp>
               <p:nvSpPr>
                 <p:cNvPr id="73" name="Rectangle 72"/>
@@ -19372,7 +19409,7 @@
               <p:spPr>
                 <a:xfrm>
                   <a:off x="1475638" y="2324702"/>
-                  <a:ext cx="933461" cy="397929"/>
+                  <a:ext cx="1222579" cy="397929"/>
                 </a:xfrm>
                 <a:prstGeom prst="rect">
                   <a:avLst/>
@@ -19385,6 +19422,7 @@
                 </a:bodyPr>
                 <a:lstStyle/>
                 <a:p>
+                  <a:pPr/>
                   <a14:m>
                     <m:oMathPara xmlns:m="http://schemas.openxmlformats.org/officeDocument/2006/math">
                       <m:oMathParaPr>
@@ -19443,7 +19481,7 @@
                               <a:rPr lang="en-US" b="0" i="1" smtClean="0">
                                 <a:latin typeface="Cambria Math" panose="02040503050406030204" pitchFamily="18" charset="0"/>
                               </a:rPr>
-                              <m:t>𝑣𝑖𝑐𝑜𝑛</m:t>
+                              <m:t>𝑒𝑠𝑡𝑖𝑚𝑎𝑡𝑒</m:t>
                             </m:r>
                           </m:sub>
                         </m:sSub>
@@ -19467,7 +19505,7 @@
               <p:spPr>
                 <a:xfrm>
                   <a:off x="1475638" y="2324702"/>
-                  <a:ext cx="933461" cy="397929"/>
+                  <a:ext cx="1222579" cy="397929"/>
                 </a:xfrm>
                 <a:prstGeom prst="rect">
                   <a:avLst/>
@@ -19563,8 +19601,8 @@
             </a:p>
           </p:txBody>
         </p:sp>
-        <mc:AlternateContent xmlns:mc="http://schemas.openxmlformats.org/markup-compatibility/2006">
-          <mc:Choice xmlns:a14="http://schemas.microsoft.com/office/drawing/2010/main" Requires="a14">
+        <mc:AlternateContent xmlns:mc="http://schemas.openxmlformats.org/markup-compatibility/2006" xmlns:a14="http://schemas.microsoft.com/office/drawing/2010/main">
+          <mc:Choice Requires="a14">
             <p:sp>
               <p:nvSpPr>
                 <p:cNvPr id="77" name="TextBox 76"/>
@@ -19587,6 +19625,7 @@
                 </a:bodyPr>
                 <a:lstStyle/>
                 <a:p>
+                  <a:pPr/>
                   <a14:m>
                     <m:oMathPara xmlns:m="http://schemas.openxmlformats.org/officeDocument/2006/math">
                       <m:oMathParaPr>
@@ -19619,7 +19658,7 @@
               </p:txBody>
             </p:sp>
           </mc:Choice>
-          <mc:Fallback>
+          <mc:Fallback xmlns="">
             <p:sp>
               <p:nvSpPr>
                 <p:cNvPr id="77" name="TextBox 76"/>
@@ -19658,8 +19697,8 @@
             </p:sp>
           </mc:Fallback>
         </mc:AlternateContent>
-        <mc:AlternateContent xmlns:mc="http://schemas.openxmlformats.org/markup-compatibility/2006">
-          <mc:Choice xmlns:a14="http://schemas.microsoft.com/office/drawing/2010/main" Requires="a14">
+        <mc:AlternateContent xmlns:mc="http://schemas.openxmlformats.org/markup-compatibility/2006" xmlns:a14="http://schemas.microsoft.com/office/drawing/2010/main">
+          <mc:Choice Requires="a14">
             <p:sp>
               <p:nvSpPr>
                 <p:cNvPr id="78" name="Rectangle 77"/>
@@ -19755,7 +19794,7 @@
               </p:txBody>
             </p:sp>
           </mc:Choice>
-          <mc:Fallback>
+          <mc:Fallback xmlns="">
             <p:sp>
               <p:nvSpPr>
                 <p:cNvPr id="78" name="Rectangle 77"/>
@@ -19833,8 +19872,8 @@
             </a:fontRef>
           </p:style>
         </p:cxnSp>
-        <mc:AlternateContent xmlns:mc="http://schemas.openxmlformats.org/markup-compatibility/2006">
-          <mc:Choice xmlns:a14="http://schemas.microsoft.com/office/drawing/2010/main" Requires="a14">
+        <mc:AlternateContent xmlns:mc="http://schemas.openxmlformats.org/markup-compatibility/2006" xmlns:a14="http://schemas.microsoft.com/office/drawing/2010/main">
+          <mc:Choice Requires="a14">
             <p:sp>
               <p:nvSpPr>
                 <p:cNvPr id="81" name="Rectangle 80"/>
@@ -19950,7 +19989,7 @@
               </p:txBody>
             </p:sp>
           </mc:Choice>
-          <mc:Fallback>
+          <mc:Fallback xmlns="">
             <p:sp>
               <p:nvSpPr>
                 <p:cNvPr id="81" name="Rectangle 80"/>
@@ -19989,8 +20028,8 @@
             </p:sp>
           </mc:Fallback>
         </mc:AlternateContent>
-        <mc:AlternateContent xmlns:mc="http://schemas.openxmlformats.org/markup-compatibility/2006">
-          <mc:Choice xmlns:a14="http://schemas.microsoft.com/office/drawing/2010/main" Requires="a14">
+        <mc:AlternateContent xmlns:mc="http://schemas.openxmlformats.org/markup-compatibility/2006" xmlns:a14="http://schemas.microsoft.com/office/drawing/2010/main">
+          <mc:Choice Requires="a14">
             <p:sp>
               <p:nvSpPr>
                 <p:cNvPr id="82" name="TextBox 81"/>
@@ -20013,6 +20052,7 @@
                 </a:bodyPr>
                 <a:lstStyle/>
                 <a:p>
+                  <a:pPr/>
                   <a14:m>
                     <m:oMathPara xmlns:m="http://schemas.openxmlformats.org/officeDocument/2006/math">
                       <m:oMathParaPr>
@@ -20052,7 +20092,7 @@
               </p:txBody>
             </p:sp>
           </mc:Choice>
-          <mc:Fallback>
+          <mc:Fallback xmlns="">
             <p:sp>
               <p:nvSpPr>
                 <p:cNvPr id="82" name="TextBox 81"/>
@@ -20130,8 +20170,8 @@
             </a:fontRef>
           </p:style>
         </p:cxnSp>
-        <mc:AlternateContent xmlns:mc="http://schemas.openxmlformats.org/markup-compatibility/2006">
-          <mc:Choice xmlns:a14="http://schemas.microsoft.com/office/drawing/2010/main" Requires="a14">
+        <mc:AlternateContent xmlns:mc="http://schemas.openxmlformats.org/markup-compatibility/2006" xmlns:a14="http://schemas.microsoft.com/office/drawing/2010/main">
+          <mc:Choice Requires="a14">
             <p:sp>
               <p:nvSpPr>
                 <p:cNvPr id="85" name="TextBox 84"/>
@@ -20154,6 +20194,7 @@
                 </a:bodyPr>
                 <a:lstStyle/>
                 <a:p>
+                  <a:pPr/>
                   <a14:m>
                     <m:oMathPara xmlns:m="http://schemas.openxmlformats.org/officeDocument/2006/math">
                       <m:oMathParaPr>
@@ -20193,7 +20234,7 @@
               </p:txBody>
             </p:sp>
           </mc:Choice>
-          <mc:Fallback>
+          <mc:Fallback xmlns="">
             <p:sp>
               <p:nvSpPr>
                 <p:cNvPr id="85" name="TextBox 84"/>
@@ -20232,8 +20273,8 @@
             </p:sp>
           </mc:Fallback>
         </mc:AlternateContent>
-        <mc:AlternateContent xmlns:mc="http://schemas.openxmlformats.org/markup-compatibility/2006">
-          <mc:Choice xmlns:a14="http://schemas.microsoft.com/office/drawing/2010/main" Requires="a14">
+        <mc:AlternateContent xmlns:mc="http://schemas.openxmlformats.org/markup-compatibility/2006" xmlns:a14="http://schemas.microsoft.com/office/drawing/2010/main">
+          <mc:Choice Requires="a14">
             <p:sp>
               <p:nvSpPr>
                 <p:cNvPr id="86" name="Rectangle 85"/>
@@ -20315,7 +20356,7 @@
               </p:txBody>
             </p:sp>
           </mc:Choice>
-          <mc:Fallback>
+          <mc:Fallback xmlns="">
             <p:sp>
               <p:nvSpPr>
                 <p:cNvPr id="86" name="Rectangle 85"/>
@@ -20393,8 +20434,8 @@
             </a:fontRef>
           </p:style>
         </p:cxnSp>
-        <mc:AlternateContent xmlns:mc="http://schemas.openxmlformats.org/markup-compatibility/2006">
-          <mc:Choice xmlns:a14="http://schemas.microsoft.com/office/drawing/2010/main" Requires="a14">
+        <mc:AlternateContent xmlns:mc="http://schemas.openxmlformats.org/markup-compatibility/2006" xmlns:a14="http://schemas.microsoft.com/office/drawing/2010/main">
+          <mc:Choice Requires="a14">
             <p:sp>
               <p:nvSpPr>
                 <p:cNvPr id="88" name="TextBox 87"/>
@@ -20417,6 +20458,7 @@
                 </a:bodyPr>
                 <a:lstStyle/>
                 <a:p>
+                  <a:pPr/>
                   <a14:m>
                     <m:oMathPara xmlns:m="http://schemas.openxmlformats.org/officeDocument/2006/math">
                       <m:oMathParaPr>
@@ -20437,7 +20479,7 @@
               </p:txBody>
             </p:sp>
           </mc:Choice>
-          <mc:Fallback>
+          <mc:Fallback xmlns="">
             <p:sp>
               <p:nvSpPr>
                 <p:cNvPr id="88" name="TextBox 87"/>
@@ -20476,8 +20518,8 @@
             </p:sp>
           </mc:Fallback>
         </mc:AlternateContent>
-        <mc:AlternateContent xmlns:mc="http://schemas.openxmlformats.org/markup-compatibility/2006">
-          <mc:Choice xmlns:a14="http://schemas.microsoft.com/office/drawing/2010/main" Requires="a14">
+        <mc:AlternateContent xmlns:mc="http://schemas.openxmlformats.org/markup-compatibility/2006" xmlns:a14="http://schemas.microsoft.com/office/drawing/2010/main">
+          <mc:Choice Requires="a14">
             <p:sp>
               <p:nvSpPr>
                 <p:cNvPr id="90" name="Rectangle 89"/>
@@ -20559,7 +20601,7 @@
               </p:txBody>
             </p:sp>
           </mc:Choice>
-          <mc:Fallback>
+          <mc:Fallback xmlns="">
             <p:sp>
               <p:nvSpPr>
                 <p:cNvPr id="90" name="Rectangle 89"/>
@@ -20688,8 +20730,8 @@
             </a:fontRef>
           </p:style>
         </p:cxnSp>
-        <mc:AlternateContent xmlns:mc="http://schemas.openxmlformats.org/markup-compatibility/2006">
-          <mc:Choice xmlns:a14="http://schemas.microsoft.com/office/drawing/2010/main" Requires="a14">
+        <mc:AlternateContent xmlns:mc="http://schemas.openxmlformats.org/markup-compatibility/2006" xmlns:a14="http://schemas.microsoft.com/office/drawing/2010/main">
+          <mc:Choice Requires="a14">
             <p:sp>
               <p:nvSpPr>
                 <p:cNvPr id="98" name="Isosceles Triangle 97"/>
@@ -20781,7 +20823,7 @@
               </p:txBody>
             </p:sp>
           </mc:Choice>
-          <mc:Fallback>
+          <mc:Fallback xmlns="">
             <p:sp>
               <p:nvSpPr>
                 <p:cNvPr id="98" name="Isosceles Triangle 97"/>
@@ -20820,8 +20862,8 @@
             </p:sp>
           </mc:Fallback>
         </mc:AlternateContent>
-        <mc:AlternateContent xmlns:mc="http://schemas.openxmlformats.org/markup-compatibility/2006">
-          <mc:Choice xmlns:a14="http://schemas.microsoft.com/office/drawing/2010/main" Requires="a14">
+        <mc:AlternateContent xmlns:mc="http://schemas.openxmlformats.org/markup-compatibility/2006" xmlns:a14="http://schemas.microsoft.com/office/drawing/2010/main">
+          <mc:Choice Requires="a14">
             <p:sp>
               <p:nvSpPr>
                 <p:cNvPr id="99" name="Isosceles Triangle 98"/>
@@ -20913,7 +20955,7 @@
               </p:txBody>
             </p:sp>
           </mc:Choice>
-          <mc:Fallback>
+          <mc:Fallback xmlns="">
             <p:sp>
               <p:nvSpPr>
                 <p:cNvPr id="99" name="Isosceles Triangle 98"/>
@@ -21149,8 +21191,8 @@
             </a:fontRef>
           </p:style>
         </p:cxnSp>
-        <mc:AlternateContent xmlns:mc="http://schemas.openxmlformats.org/markup-compatibility/2006">
-          <mc:Choice xmlns:a14="http://schemas.microsoft.com/office/drawing/2010/main" Requires="a14">
+        <mc:AlternateContent xmlns:mc="http://schemas.openxmlformats.org/markup-compatibility/2006" xmlns:a14="http://schemas.microsoft.com/office/drawing/2010/main">
+          <mc:Choice Requires="a14">
             <p:sp>
               <p:nvSpPr>
                 <p:cNvPr id="107" name="Rectangle 106"/>
@@ -21229,7 +21271,7 @@
               </p:txBody>
             </p:sp>
           </mc:Choice>
-          <mc:Fallback>
+          <mc:Fallback xmlns="">
             <p:sp>
               <p:nvSpPr>
                 <p:cNvPr id="107" name="Rectangle 106"/>
@@ -21306,8 +21348,8 @@
             </a:p>
           </p:txBody>
         </p:sp>
-        <mc:AlternateContent xmlns:mc="http://schemas.openxmlformats.org/markup-compatibility/2006">
-          <mc:Choice xmlns:a14="http://schemas.microsoft.com/office/drawing/2010/main" Requires="a14">
+        <mc:AlternateContent xmlns:mc="http://schemas.openxmlformats.org/markup-compatibility/2006" xmlns:a14="http://schemas.microsoft.com/office/drawing/2010/main">
+          <mc:Choice Requires="a14">
             <p:sp>
               <p:nvSpPr>
                 <p:cNvPr id="110" name="TextBox 109"/>
@@ -21330,6 +21372,7 @@
                 </a:bodyPr>
                 <a:lstStyle/>
                 <a:p>
+                  <a:pPr/>
                   <a14:m>
                     <m:oMathPara xmlns:m="http://schemas.openxmlformats.org/officeDocument/2006/math">
                       <m:oMathParaPr>
@@ -21381,7 +21424,7 @@
               </p:txBody>
             </p:sp>
           </mc:Choice>
-          <mc:Fallback>
+          <mc:Fallback xmlns="">
             <p:sp>
               <p:nvSpPr>
                 <p:cNvPr id="110" name="TextBox 109"/>
@@ -21508,7 +21551,7 @@
               <p:spPr>
                 <a:xfrm>
                   <a:off x="2104532" y="2876426"/>
-                  <a:ext cx="818429" cy="369332"/>
+                  <a:ext cx="1109214" cy="369332"/>
                 </a:xfrm>
                 <a:prstGeom prst="rect">
                   <a:avLst/>
@@ -21521,6 +21564,7 @@
                 </a:bodyPr>
                 <a:lstStyle/>
                 <a:p>
+                  <a:pPr/>
                   <a14:m>
                     <m:oMathPara xmlns:m="http://schemas.openxmlformats.org/officeDocument/2006/math">
                       <m:oMathParaPr>
@@ -21548,7 +21592,7 @@
                               <a:rPr lang="en-US" b="0" i="1" smtClean="0">
                                 <a:latin typeface="Cambria Math" panose="02040503050406030204" pitchFamily="18" charset="0"/>
                               </a:rPr>
-                              <m:t>𝑣𝑖𝑐𝑜𝑛</m:t>
+                              <m:t>𝑒𝑠𝑡𝑖𝑚𝑎𝑡𝑒</m:t>
                             </m:r>
                           </m:sub>
                         </m:sSub>
@@ -21572,7 +21616,7 @@
               <p:spPr>
                 <a:xfrm>
                   <a:off x="2104532" y="2876426"/>
-                  <a:ext cx="818429" cy="369332"/>
+                  <a:ext cx="1109214" cy="369332"/>
                 </a:xfrm>
                 <a:prstGeom prst="rect">
                   <a:avLst/>
@@ -21599,8 +21643,8 @@
             </p:sp>
           </mc:Fallback>
         </mc:AlternateContent>
-        <mc:AlternateContent xmlns:mc="http://schemas.openxmlformats.org/markup-compatibility/2006">
-          <mc:Choice xmlns:a14="http://schemas.microsoft.com/office/drawing/2010/main" Requires="a14">
+        <mc:AlternateContent xmlns:mc="http://schemas.openxmlformats.org/markup-compatibility/2006" xmlns:a14="http://schemas.microsoft.com/office/drawing/2010/main">
+          <mc:Choice Requires="a14">
             <p:sp>
               <p:nvSpPr>
                 <p:cNvPr id="126" name="Rectangle 125"/>
@@ -21660,7 +21704,7 @@
               </p:txBody>
             </p:sp>
           </mc:Choice>
-          <mc:Fallback>
+          <mc:Fallback xmlns="">
             <p:sp>
               <p:nvSpPr>
                 <p:cNvPr id="126" name="Rectangle 125"/>
@@ -21749,7 +21793,7 @@
               <p:spPr>
                 <a:xfrm>
                   <a:off x="1475638" y="2324702"/>
-                  <a:ext cx="933461" cy="397929"/>
+                  <a:ext cx="1224246" cy="398442"/>
                 </a:xfrm>
                 <a:prstGeom prst="rect">
                   <a:avLst/>
@@ -21762,6 +21806,7 @@
                 </a:bodyPr>
                 <a:lstStyle/>
                 <a:p>
+                  <a:pPr/>
                   <a14:m>
                     <m:oMathPara xmlns:m="http://schemas.openxmlformats.org/officeDocument/2006/math">
                       <m:oMathParaPr>
@@ -21820,7 +21865,7 @@
                               <a:rPr lang="en-US" b="0" i="1" smtClean="0">
                                 <a:latin typeface="Cambria Math" panose="02040503050406030204" pitchFamily="18" charset="0"/>
                               </a:rPr>
-                              <m:t>𝑣𝑖𝑐𝑜𝑛</m:t>
+                              <m:t>𝑒𝑠𝑡𝑖𝑚𝑎𝑡𝑒</m:t>
                             </m:r>
                           </m:sub>
                         </m:sSub>
@@ -21844,7 +21889,7 @@
               <p:spPr>
                 <a:xfrm>
                   <a:off x="1475638" y="2324702"/>
-                  <a:ext cx="933461" cy="397929"/>
+                  <a:ext cx="1224246" cy="398442"/>
                 </a:xfrm>
                 <a:prstGeom prst="rect">
                   <a:avLst/>
@@ -21940,8 +21985,8 @@
             </a:p>
           </p:txBody>
         </p:sp>
-        <mc:AlternateContent xmlns:mc="http://schemas.openxmlformats.org/markup-compatibility/2006">
-          <mc:Choice xmlns:a14="http://schemas.microsoft.com/office/drawing/2010/main" Requires="a14">
+        <mc:AlternateContent xmlns:mc="http://schemas.openxmlformats.org/markup-compatibility/2006" xmlns:a14="http://schemas.microsoft.com/office/drawing/2010/main">
+          <mc:Choice Requires="a14">
             <p:sp>
               <p:nvSpPr>
                 <p:cNvPr id="131" name="TextBox 130"/>
@@ -21964,6 +22009,7 @@
                 </a:bodyPr>
                 <a:lstStyle/>
                 <a:p>
+                  <a:pPr/>
                   <a14:m>
                     <m:oMathPara xmlns:m="http://schemas.openxmlformats.org/officeDocument/2006/math">
                       <m:oMathParaPr>
@@ -21996,7 +22042,7 @@
               </p:txBody>
             </p:sp>
           </mc:Choice>
-          <mc:Fallback>
+          <mc:Fallback xmlns="">
             <p:sp>
               <p:nvSpPr>
                 <p:cNvPr id="131" name="TextBox 130"/>
@@ -22035,8 +22081,8 @@
             </p:sp>
           </mc:Fallback>
         </mc:AlternateContent>
-        <mc:AlternateContent xmlns:mc="http://schemas.openxmlformats.org/markup-compatibility/2006">
-          <mc:Choice xmlns:a14="http://schemas.microsoft.com/office/drawing/2010/main" Requires="a14">
+        <mc:AlternateContent xmlns:mc="http://schemas.openxmlformats.org/markup-compatibility/2006" xmlns:a14="http://schemas.microsoft.com/office/drawing/2010/main">
+          <mc:Choice Requires="a14">
             <p:sp>
               <p:nvSpPr>
                 <p:cNvPr id="132" name="Rectangle 131"/>
@@ -22132,7 +22178,7 @@
               </p:txBody>
             </p:sp>
           </mc:Choice>
-          <mc:Fallback>
+          <mc:Fallback xmlns="">
             <p:sp>
               <p:nvSpPr>
                 <p:cNvPr id="132" name="Rectangle 131"/>
@@ -22210,8 +22256,8 @@
             </a:fontRef>
           </p:style>
         </p:cxnSp>
-        <mc:AlternateContent xmlns:mc="http://schemas.openxmlformats.org/markup-compatibility/2006">
-          <mc:Choice xmlns:a14="http://schemas.microsoft.com/office/drawing/2010/main" Requires="a14">
+        <mc:AlternateContent xmlns:mc="http://schemas.openxmlformats.org/markup-compatibility/2006" xmlns:a14="http://schemas.microsoft.com/office/drawing/2010/main">
+          <mc:Choice Requires="a14">
             <p:sp>
               <p:nvSpPr>
                 <p:cNvPr id="134" name="Rectangle 133"/>
@@ -22327,7 +22373,7 @@
               </p:txBody>
             </p:sp>
           </mc:Choice>
-          <mc:Fallback>
+          <mc:Fallback xmlns="">
             <p:sp>
               <p:nvSpPr>
                 <p:cNvPr id="134" name="Rectangle 133"/>
@@ -22366,8 +22412,8 @@
             </p:sp>
           </mc:Fallback>
         </mc:AlternateContent>
-        <mc:AlternateContent xmlns:mc="http://schemas.openxmlformats.org/markup-compatibility/2006">
-          <mc:Choice xmlns:a14="http://schemas.microsoft.com/office/drawing/2010/main" Requires="a14">
+        <mc:AlternateContent xmlns:mc="http://schemas.openxmlformats.org/markup-compatibility/2006" xmlns:a14="http://schemas.microsoft.com/office/drawing/2010/main">
+          <mc:Choice Requires="a14">
             <p:sp>
               <p:nvSpPr>
                 <p:cNvPr id="135" name="TextBox 134"/>
@@ -22390,6 +22436,7 @@
                 </a:bodyPr>
                 <a:lstStyle/>
                 <a:p>
+                  <a:pPr/>
                   <a14:m>
                     <m:oMathPara xmlns:m="http://schemas.openxmlformats.org/officeDocument/2006/math">
                       <m:oMathParaPr>
@@ -22429,7 +22476,7 @@
               </p:txBody>
             </p:sp>
           </mc:Choice>
-          <mc:Fallback>
+          <mc:Fallback xmlns="">
             <p:sp>
               <p:nvSpPr>
                 <p:cNvPr id="135" name="TextBox 134"/>
@@ -22507,8 +22554,8 @@
             </a:fontRef>
           </p:style>
         </p:cxnSp>
-        <mc:AlternateContent xmlns:mc="http://schemas.openxmlformats.org/markup-compatibility/2006">
-          <mc:Choice xmlns:a14="http://schemas.microsoft.com/office/drawing/2010/main" Requires="a14">
+        <mc:AlternateContent xmlns:mc="http://schemas.openxmlformats.org/markup-compatibility/2006" xmlns:a14="http://schemas.microsoft.com/office/drawing/2010/main">
+          <mc:Choice Requires="a14">
             <p:sp>
               <p:nvSpPr>
                 <p:cNvPr id="137" name="TextBox 136"/>
@@ -22531,6 +22578,7 @@
                 </a:bodyPr>
                 <a:lstStyle/>
                 <a:p>
+                  <a:pPr/>
                   <a14:m>
                     <m:oMathPara xmlns:m="http://schemas.openxmlformats.org/officeDocument/2006/math">
                       <m:oMathParaPr>
@@ -22570,7 +22618,7 @@
               </p:txBody>
             </p:sp>
           </mc:Choice>
-          <mc:Fallback>
+          <mc:Fallback xmlns="">
             <p:sp>
               <p:nvSpPr>
                 <p:cNvPr id="137" name="TextBox 136"/>
@@ -22609,8 +22657,8 @@
             </p:sp>
           </mc:Fallback>
         </mc:AlternateContent>
-        <mc:AlternateContent xmlns:mc="http://schemas.openxmlformats.org/markup-compatibility/2006">
-          <mc:Choice xmlns:a14="http://schemas.microsoft.com/office/drawing/2010/main" Requires="a14">
+        <mc:AlternateContent xmlns:mc="http://schemas.openxmlformats.org/markup-compatibility/2006" xmlns:a14="http://schemas.microsoft.com/office/drawing/2010/main">
+          <mc:Choice Requires="a14">
             <p:sp>
               <p:nvSpPr>
                 <p:cNvPr id="138" name="Rectangle 137"/>
@@ -22692,7 +22740,7 @@
               </p:txBody>
             </p:sp>
           </mc:Choice>
-          <mc:Fallback>
+          <mc:Fallback xmlns="">
             <p:sp>
               <p:nvSpPr>
                 <p:cNvPr id="138" name="Rectangle 137"/>
@@ -22770,8 +22818,8 @@
             </a:fontRef>
           </p:style>
         </p:cxnSp>
-        <mc:AlternateContent xmlns:mc="http://schemas.openxmlformats.org/markup-compatibility/2006">
-          <mc:Choice xmlns:a14="http://schemas.microsoft.com/office/drawing/2010/main" Requires="a14">
+        <mc:AlternateContent xmlns:mc="http://schemas.openxmlformats.org/markup-compatibility/2006" xmlns:a14="http://schemas.microsoft.com/office/drawing/2010/main">
+          <mc:Choice Requires="a14">
             <p:sp>
               <p:nvSpPr>
                 <p:cNvPr id="140" name="TextBox 139"/>
@@ -22794,6 +22842,7 @@
                 </a:bodyPr>
                 <a:lstStyle/>
                 <a:p>
+                  <a:pPr/>
                   <a14:m>
                     <m:oMathPara xmlns:m="http://schemas.openxmlformats.org/officeDocument/2006/math">
                       <m:oMathParaPr>
@@ -22814,7 +22863,7 @@
               </p:txBody>
             </p:sp>
           </mc:Choice>
-          <mc:Fallback>
+          <mc:Fallback xmlns="">
             <p:sp>
               <p:nvSpPr>
                 <p:cNvPr id="140" name="TextBox 139"/>
@@ -22853,8 +22902,8 @@
             </p:sp>
           </mc:Fallback>
         </mc:AlternateContent>
-        <mc:AlternateContent xmlns:mc="http://schemas.openxmlformats.org/markup-compatibility/2006">
-          <mc:Choice xmlns:a14="http://schemas.microsoft.com/office/drawing/2010/main" Requires="a14">
+        <mc:AlternateContent xmlns:mc="http://schemas.openxmlformats.org/markup-compatibility/2006" xmlns:a14="http://schemas.microsoft.com/office/drawing/2010/main">
+          <mc:Choice Requires="a14">
             <p:sp>
               <p:nvSpPr>
                 <p:cNvPr id="141" name="Rectangle 140"/>
@@ -22936,7 +22985,7 @@
               </p:txBody>
             </p:sp>
           </mc:Choice>
-          <mc:Fallback>
+          <mc:Fallback xmlns="">
             <p:sp>
               <p:nvSpPr>
                 <p:cNvPr id="141" name="Rectangle 140"/>
@@ -23105,8 +23154,8 @@
             <a:chExt cx="9058926" cy="1791197"/>
           </a:xfrm>
         </p:grpSpPr>
-        <mc:AlternateContent xmlns:mc="http://schemas.openxmlformats.org/markup-compatibility/2006">
-          <mc:Choice xmlns:a14="http://schemas.microsoft.com/office/drawing/2010/main" Requires="a14">
+        <mc:AlternateContent xmlns:mc="http://schemas.openxmlformats.org/markup-compatibility/2006" xmlns:a14="http://schemas.microsoft.com/office/drawing/2010/main">
+          <mc:Choice Requires="a14">
             <p:sp>
               <p:nvSpPr>
                 <p:cNvPr id="84" name="Isosceles Triangle 83"/>
@@ -23198,7 +23247,7 @@
               </p:txBody>
             </p:sp>
           </mc:Choice>
-          <mc:Fallback>
+          <mc:Fallback xmlns="">
             <p:sp>
               <p:nvSpPr>
                 <p:cNvPr id="84" name="Isosceles Triangle 83"/>
@@ -23352,8 +23401,8 @@
             </a:fontRef>
           </p:style>
         </p:cxnSp>
-        <mc:AlternateContent xmlns:mc="http://schemas.openxmlformats.org/markup-compatibility/2006">
-          <mc:Choice xmlns:a14="http://schemas.microsoft.com/office/drawing/2010/main" Requires="a14">
+        <mc:AlternateContent xmlns:mc="http://schemas.openxmlformats.org/markup-compatibility/2006" xmlns:a14="http://schemas.microsoft.com/office/drawing/2010/main">
+          <mc:Choice Requires="a14">
             <p:sp>
               <p:nvSpPr>
                 <p:cNvPr id="95" name="TextBox 94"/>
@@ -23376,6 +23425,7 @@
                 </a:bodyPr>
                 <a:lstStyle/>
                 <a:p>
+                  <a:pPr/>
                   <a14:m>
                     <m:oMathPara xmlns:m="http://schemas.openxmlformats.org/officeDocument/2006/math">
                       <m:oMathParaPr>
@@ -23427,7 +23477,7 @@
               </p:txBody>
             </p:sp>
           </mc:Choice>
-          <mc:Fallback>
+          <mc:Fallback xmlns="">
             <p:sp>
               <p:nvSpPr>
                 <p:cNvPr id="95" name="TextBox 94"/>
@@ -23517,7 +23567,7 @@
           <p:spPr>
             <a:xfrm flipV="1">
               <a:off x="1490012" y="3413077"/>
-              <a:ext cx="1" cy="478126"/>
+              <a:ext cx="1" cy="479574"/>
             </a:xfrm>
             <a:prstGeom prst="straightConnector1">
               <a:avLst/>
@@ -23554,8 +23604,8 @@
               </p:nvSpPr>
               <p:spPr>
                 <a:xfrm>
-                  <a:off x="971472" y="3891203"/>
-                  <a:ext cx="1037079" cy="369332"/>
+                  <a:off x="826913" y="3892651"/>
+                  <a:ext cx="1326197" cy="369332"/>
                 </a:xfrm>
                 <a:prstGeom prst="rect">
                   <a:avLst/>
@@ -23568,6 +23618,7 @@
                 </a:bodyPr>
                 <a:lstStyle/>
                 <a:p>
+                  <a:pPr/>
                   <a14:m>
                     <m:oMathPara xmlns:m="http://schemas.openxmlformats.org/officeDocument/2006/math">
                       <m:oMathParaPr>
@@ -23607,7 +23658,7 @@
                               <a:rPr lang="en-US" b="0" i="1" smtClean="0">
                                 <a:latin typeface="Cambria Math" panose="02040503050406030204" pitchFamily="18" charset="0"/>
                               </a:rPr>
-                              <m:t>𝑣𝑖𝑐𝑜𝑛</m:t>
+                              <m:t>𝑒𝑠𝑡𝑖𝑚𝑎𝑡𝑒</m:t>
                             </m:r>
                           </m:sub>
                         </m:sSub>
@@ -23630,8 +23681,8 @@
               </p:nvSpPr>
               <p:spPr>
                 <a:xfrm>
-                  <a:off x="971472" y="3891203"/>
-                  <a:ext cx="1037079" cy="369332"/>
+                  <a:off x="826913" y="3892651"/>
+                  <a:ext cx="1326197" cy="369332"/>
                 </a:xfrm>
                 <a:prstGeom prst="rect">
                   <a:avLst/>
@@ -23639,7 +23690,7 @@
                 <a:blipFill rotWithShape="0">
                   <a:blip r:embed="rId4"/>
                   <a:stretch>
-                    <a:fillRect b="-6557"/>
+                    <a:fillRect b="-6667"/>
                   </a:stretch>
                 </a:blipFill>
               </p:spPr>
@@ -23658,8 +23709,8 @@
             </p:sp>
           </mc:Fallback>
         </mc:AlternateContent>
-        <mc:AlternateContent xmlns:mc="http://schemas.openxmlformats.org/markup-compatibility/2006">
-          <mc:Choice xmlns:a14="http://schemas.microsoft.com/office/drawing/2010/main" Requires="a14">
+        <mc:AlternateContent xmlns:mc="http://schemas.openxmlformats.org/markup-compatibility/2006" xmlns:a14="http://schemas.microsoft.com/office/drawing/2010/main">
+          <mc:Choice Requires="a14">
             <p:sp>
               <p:nvSpPr>
                 <p:cNvPr id="109" name="Rectangle 108"/>
@@ -23750,7 +23801,7 @@
               </p:txBody>
             </p:sp>
           </mc:Choice>
-          <mc:Fallback>
+          <mc:Fallback xmlns="">
             <p:sp>
               <p:nvSpPr>
                 <p:cNvPr id="109" name="Rectangle 108"/>
@@ -23789,8 +23840,8 @@
             </p:sp>
           </mc:Fallback>
         </mc:AlternateContent>
-        <mc:AlternateContent xmlns:mc="http://schemas.openxmlformats.org/markup-compatibility/2006">
-          <mc:Choice xmlns:a14="http://schemas.microsoft.com/office/drawing/2010/main" Requires="a14">
+        <mc:AlternateContent xmlns:mc="http://schemas.openxmlformats.org/markup-compatibility/2006" xmlns:a14="http://schemas.microsoft.com/office/drawing/2010/main">
+          <mc:Choice Requires="a14">
             <p:sp>
               <p:nvSpPr>
                 <p:cNvPr id="111" name="TextBox 110"/>
@@ -23813,6 +23864,7 @@
                 </a:bodyPr>
                 <a:lstStyle/>
                 <a:p>
+                  <a:pPr/>
                   <a14:m>
                     <m:oMathPara xmlns:m="http://schemas.openxmlformats.org/officeDocument/2006/math">
                       <m:oMathParaPr>
@@ -23907,7 +23959,7 @@
               </p:txBody>
             </p:sp>
           </mc:Choice>
-          <mc:Fallback>
+          <mc:Fallback xmlns="">
             <p:sp>
               <p:nvSpPr>
                 <p:cNvPr id="111" name="TextBox 110"/>
@@ -23985,8 +24037,8 @@
             </a:fontRef>
           </p:style>
         </p:cxnSp>
-        <mc:AlternateContent xmlns:mc="http://schemas.openxmlformats.org/markup-compatibility/2006">
-          <mc:Choice xmlns:a14="http://schemas.microsoft.com/office/drawing/2010/main" Requires="a14">
+        <mc:AlternateContent xmlns:mc="http://schemas.openxmlformats.org/markup-compatibility/2006" xmlns:a14="http://schemas.microsoft.com/office/drawing/2010/main">
+          <mc:Choice Requires="a14">
             <p:sp>
               <p:nvSpPr>
                 <p:cNvPr id="113" name="TextBox 112"/>
@@ -24009,6 +24061,7 @@
                 </a:bodyPr>
                 <a:lstStyle/>
                 <a:p>
+                  <a:pPr/>
                   <a14:m>
                     <m:oMathPara xmlns:m="http://schemas.openxmlformats.org/officeDocument/2006/math">
                       <m:oMathParaPr>
@@ -24103,7 +24156,7 @@
               </p:txBody>
             </p:sp>
           </mc:Choice>
-          <mc:Fallback>
+          <mc:Fallback xmlns="">
             <p:sp>
               <p:nvSpPr>
                 <p:cNvPr id="113" name="TextBox 112"/>
@@ -24361,8 +24414,8 @@
             </a:p>
           </p:txBody>
         </p:sp>
-        <mc:AlternateContent xmlns:mc="http://schemas.openxmlformats.org/markup-compatibility/2006">
-          <mc:Choice xmlns:a14="http://schemas.microsoft.com/office/drawing/2010/main" Requires="a14">
+        <mc:AlternateContent xmlns:mc="http://schemas.openxmlformats.org/markup-compatibility/2006" xmlns:a14="http://schemas.microsoft.com/office/drawing/2010/main">
+          <mc:Choice Requires="a14">
             <p:sp>
               <p:nvSpPr>
                 <p:cNvPr id="38" name="TextBox 37"/>
@@ -24385,6 +24438,7 @@
                 </a:bodyPr>
                 <a:lstStyle/>
                 <a:p>
+                  <a:pPr/>
                   <a14:m>
                     <m:oMathPara xmlns:m="http://schemas.openxmlformats.org/officeDocument/2006/math">
                       <m:oMathParaPr>
@@ -24424,7 +24478,7 @@
               </p:txBody>
             </p:sp>
           </mc:Choice>
-          <mc:Fallback>
+          <mc:Fallback xmlns="">
             <p:sp>
               <p:nvSpPr>
                 <p:cNvPr id="38" name="TextBox 37"/>
@@ -24463,8 +24517,8 @@
             </p:sp>
           </mc:Fallback>
         </mc:AlternateContent>
-        <mc:AlternateContent xmlns:mc="http://schemas.openxmlformats.org/markup-compatibility/2006">
-          <mc:Choice xmlns:a14="http://schemas.microsoft.com/office/drawing/2010/main" Requires="a14">
+        <mc:AlternateContent xmlns:mc="http://schemas.openxmlformats.org/markup-compatibility/2006" xmlns:a14="http://schemas.microsoft.com/office/drawing/2010/main">
+          <mc:Choice Requires="a14">
             <p:sp>
               <p:nvSpPr>
                 <p:cNvPr id="39" name="TextBox 38"/>
@@ -24487,6 +24541,7 @@
                 </a:bodyPr>
                 <a:lstStyle/>
                 <a:p>
+                  <a:pPr/>
                   <a14:m>
                     <m:oMathPara xmlns:m="http://schemas.openxmlformats.org/officeDocument/2006/math">
                       <m:oMathParaPr>
@@ -24526,7 +24581,7 @@
               </p:txBody>
             </p:sp>
           </mc:Choice>
-          <mc:Fallback>
+          <mc:Fallback xmlns="">
             <p:sp>
               <p:nvSpPr>
                 <p:cNvPr id="39" name="TextBox 38"/>
@@ -24641,8 +24696,8 @@
             </a:fontRef>
           </p:style>
         </p:cxnSp>
-        <mc:AlternateContent xmlns:mc="http://schemas.openxmlformats.org/markup-compatibility/2006">
-          <mc:Choice xmlns:a14="http://schemas.microsoft.com/office/drawing/2010/main" Requires="a14">
+        <mc:AlternateContent xmlns:mc="http://schemas.openxmlformats.org/markup-compatibility/2006" xmlns:a14="http://schemas.microsoft.com/office/drawing/2010/main">
+          <mc:Choice Requires="a14">
             <p:sp>
               <p:nvSpPr>
                 <p:cNvPr id="44" name="TextBox 43"/>
@@ -24665,6 +24720,7 @@
                 </a:bodyPr>
                 <a:lstStyle/>
                 <a:p>
+                  <a:pPr/>
                   <a14:m>
                     <m:oMathPara xmlns:m="http://schemas.openxmlformats.org/officeDocument/2006/math">
                       <m:oMathParaPr>
@@ -24685,7 +24741,7 @@
               </p:txBody>
             </p:sp>
           </mc:Choice>
-          <mc:Fallback>
+          <mc:Fallback xmlns="">
             <p:sp>
               <p:nvSpPr>
                 <p:cNvPr id="44" name="TextBox 43"/>
@@ -24724,8 +24780,8 @@
             </p:sp>
           </mc:Fallback>
         </mc:AlternateContent>
-        <mc:AlternateContent xmlns:mc="http://schemas.openxmlformats.org/markup-compatibility/2006">
-          <mc:Choice xmlns:a14="http://schemas.microsoft.com/office/drawing/2010/main" Requires="a14">
+        <mc:AlternateContent xmlns:mc="http://schemas.openxmlformats.org/markup-compatibility/2006" xmlns:a14="http://schemas.microsoft.com/office/drawing/2010/main">
+          <mc:Choice Requires="a14">
             <p:sp>
               <p:nvSpPr>
                 <p:cNvPr id="45" name="TextBox 44"/>
@@ -24748,6 +24804,7 @@
                 </a:bodyPr>
                 <a:lstStyle/>
                 <a:p>
+                  <a:pPr/>
                   <a14:m>
                     <m:oMathPara xmlns:m="http://schemas.openxmlformats.org/officeDocument/2006/math">
                       <m:oMathParaPr>
@@ -24768,7 +24825,7 @@
               </p:txBody>
             </p:sp>
           </mc:Choice>
-          <mc:Fallback>
+          <mc:Fallback xmlns="">
             <p:sp>
               <p:nvSpPr>
                 <p:cNvPr id="45" name="TextBox 44"/>

--- a/Technical/controls/Architecture/controls_working.pptx
+++ b/Technical/controls/Architecture/controls_working.pptx
@@ -250,7 +250,7 @@
           <a:p>
             <a:fld id="{1A7DD840-27F1-40DD-BEF1-1BCF84AEA681}" type="datetimeFigureOut">
               <a:rPr lang="en-US" smtClean="0"/>
-              <a:t>9/23/2015</a:t>
+              <a:t>10/5/2015</a:t>
             </a:fld>
             <a:endParaRPr lang="en-US"/>
           </a:p>
@@ -420,7 +420,7 @@
           <a:p>
             <a:fld id="{1A7DD840-27F1-40DD-BEF1-1BCF84AEA681}" type="datetimeFigureOut">
               <a:rPr lang="en-US" smtClean="0"/>
-              <a:t>9/23/2015</a:t>
+              <a:t>10/5/2015</a:t>
             </a:fld>
             <a:endParaRPr lang="en-US"/>
           </a:p>
@@ -600,7 +600,7 @@
           <a:p>
             <a:fld id="{1A7DD840-27F1-40DD-BEF1-1BCF84AEA681}" type="datetimeFigureOut">
               <a:rPr lang="en-US" smtClean="0"/>
-              <a:t>9/23/2015</a:t>
+              <a:t>10/5/2015</a:t>
             </a:fld>
             <a:endParaRPr lang="en-US"/>
           </a:p>
@@ -770,7 +770,7 @@
           <a:p>
             <a:fld id="{1A7DD840-27F1-40DD-BEF1-1BCF84AEA681}" type="datetimeFigureOut">
               <a:rPr lang="en-US" smtClean="0"/>
-              <a:t>9/23/2015</a:t>
+              <a:t>10/5/2015</a:t>
             </a:fld>
             <a:endParaRPr lang="en-US"/>
           </a:p>
@@ -1016,7 +1016,7 @@
           <a:p>
             <a:fld id="{1A7DD840-27F1-40DD-BEF1-1BCF84AEA681}" type="datetimeFigureOut">
               <a:rPr lang="en-US" smtClean="0"/>
-              <a:t>9/23/2015</a:t>
+              <a:t>10/5/2015</a:t>
             </a:fld>
             <a:endParaRPr lang="en-US"/>
           </a:p>
@@ -1248,7 +1248,7 @@
           <a:p>
             <a:fld id="{1A7DD840-27F1-40DD-BEF1-1BCF84AEA681}" type="datetimeFigureOut">
               <a:rPr lang="en-US" smtClean="0"/>
-              <a:t>9/23/2015</a:t>
+              <a:t>10/5/2015</a:t>
             </a:fld>
             <a:endParaRPr lang="en-US"/>
           </a:p>
@@ -1615,7 +1615,7 @@
           <a:p>
             <a:fld id="{1A7DD840-27F1-40DD-BEF1-1BCF84AEA681}" type="datetimeFigureOut">
               <a:rPr lang="en-US" smtClean="0"/>
-              <a:t>9/23/2015</a:t>
+              <a:t>10/5/2015</a:t>
             </a:fld>
             <a:endParaRPr lang="en-US"/>
           </a:p>
@@ -1733,7 +1733,7 @@
           <a:p>
             <a:fld id="{1A7DD840-27F1-40DD-BEF1-1BCF84AEA681}" type="datetimeFigureOut">
               <a:rPr lang="en-US" smtClean="0"/>
-              <a:t>9/23/2015</a:t>
+              <a:t>10/5/2015</a:t>
             </a:fld>
             <a:endParaRPr lang="en-US"/>
           </a:p>
@@ -1828,7 +1828,7 @@
           <a:p>
             <a:fld id="{1A7DD840-27F1-40DD-BEF1-1BCF84AEA681}" type="datetimeFigureOut">
               <a:rPr lang="en-US" smtClean="0"/>
-              <a:t>9/23/2015</a:t>
+              <a:t>10/5/2015</a:t>
             </a:fld>
             <a:endParaRPr lang="en-US"/>
           </a:p>
@@ -2105,7 +2105,7 @@
           <a:p>
             <a:fld id="{1A7DD840-27F1-40DD-BEF1-1BCF84AEA681}" type="datetimeFigureOut">
               <a:rPr lang="en-US" smtClean="0"/>
-              <a:t>9/23/2015</a:t>
+              <a:t>10/5/2015</a:t>
             </a:fld>
             <a:endParaRPr lang="en-US"/>
           </a:p>
@@ -2358,7 +2358,7 @@
           <a:p>
             <a:fld id="{1A7DD840-27F1-40DD-BEF1-1BCF84AEA681}" type="datetimeFigureOut">
               <a:rPr lang="en-US" smtClean="0"/>
-              <a:t>9/23/2015</a:t>
+              <a:t>10/5/2015</a:t>
             </a:fld>
             <a:endParaRPr lang="en-US"/>
           </a:p>
@@ -2571,7 +2571,7 @@
           <a:p>
             <a:fld id="{1A7DD840-27F1-40DD-BEF1-1BCF84AEA681}" type="datetimeFigureOut">
               <a:rPr lang="en-US" smtClean="0"/>
-              <a:t>9/23/2015</a:t>
+              <a:t>10/5/2015</a:t>
             </a:fld>
             <a:endParaRPr lang="en-US"/>
           </a:p>
@@ -8394,9 +8394,9 @@
         <p:grpSpPr>
           <a:xfrm>
             <a:off x="3873750" y="647119"/>
-            <a:ext cx="5027219" cy="2063577"/>
+            <a:ext cx="5205513" cy="2063577"/>
             <a:chOff x="1358311" y="1445741"/>
-            <a:chExt cx="5324902" cy="2185771"/>
+            <a:chExt cx="5513754" cy="2185771"/>
           </a:xfrm>
         </p:grpSpPr>
         <mc:AlternateContent xmlns:mc="http://schemas.openxmlformats.org/markup-compatibility/2006" xmlns:a14="http://schemas.microsoft.com/office/drawing/2010/main">
@@ -8415,21 +8415,24 @@
                 <a:prstGeom prst="rect">
                   <a:avLst/>
                 </a:prstGeom>
+                <a:ln>
+                  <a:solidFill>
+                    <a:schemeClr val="tx1"/>
+                  </a:solidFill>
+                </a:ln>
               </p:spPr>
               <p:style>
-                <a:lnRef idx="2">
-                  <a:schemeClr val="accent1">
-                    <a:shade val="50000"/>
-                  </a:schemeClr>
+                <a:lnRef idx="1">
+                  <a:schemeClr val="accent3"/>
                 </a:lnRef>
-                <a:fillRef idx="1">
-                  <a:schemeClr val="accent1"/>
+                <a:fillRef idx="2">
+                  <a:schemeClr val="accent3"/>
                 </a:fillRef>
-                <a:effectRef idx="0">
-                  <a:schemeClr val="accent1"/>
+                <a:effectRef idx="1">
+                  <a:schemeClr val="accent3"/>
                 </a:effectRef>
                 <a:fontRef idx="minor">
-                  <a:schemeClr val="lt1"/>
+                  <a:schemeClr val="dk1"/>
                 </a:fontRef>
               </p:style>
               <p:txBody>
@@ -8531,21 +8534,24 @@
                 <a:prstGeom prst="rect">
                   <a:avLst/>
                 </a:prstGeom>
+                <a:ln>
+                  <a:solidFill>
+                    <a:schemeClr val="tx1"/>
+                  </a:solidFill>
+                </a:ln>
               </p:spPr>
               <p:style>
-                <a:lnRef idx="2">
-                  <a:schemeClr val="accent1">
-                    <a:shade val="50000"/>
-                  </a:schemeClr>
+                <a:lnRef idx="1">
+                  <a:schemeClr val="accent3"/>
                 </a:lnRef>
-                <a:fillRef idx="1">
-                  <a:schemeClr val="accent1"/>
+                <a:fillRef idx="2">
+                  <a:schemeClr val="accent3"/>
                 </a:fillRef>
-                <a:effectRef idx="0">
-                  <a:schemeClr val="accent1"/>
+                <a:effectRef idx="1">
+                  <a:schemeClr val="accent3"/>
                 </a:effectRef>
                 <a:fontRef idx="minor">
-                  <a:schemeClr val="lt1"/>
+                  <a:schemeClr val="dk1"/>
                 </a:fontRef>
               </p:style>
               <p:txBody>
@@ -8645,21 +8651,24 @@
             <a:prstGeom prst="ellipse">
               <a:avLst/>
             </a:prstGeom>
+            <a:ln>
+              <a:solidFill>
+                <a:schemeClr val="tx1"/>
+              </a:solidFill>
+            </a:ln>
           </p:spPr>
           <p:style>
-            <a:lnRef idx="2">
-              <a:schemeClr val="accent1">
-                <a:shade val="50000"/>
-              </a:schemeClr>
+            <a:lnRef idx="1">
+              <a:schemeClr val="accent3"/>
             </a:lnRef>
-            <a:fillRef idx="1">
-              <a:schemeClr val="accent1"/>
+            <a:fillRef idx="2">
+              <a:schemeClr val="accent3"/>
             </a:fillRef>
-            <a:effectRef idx="0">
-              <a:schemeClr val="accent1"/>
+            <a:effectRef idx="1">
+              <a:schemeClr val="accent3"/>
             </a:effectRef>
             <a:fontRef idx="minor">
-              <a:schemeClr val="lt1"/>
+              <a:schemeClr val="dk1"/>
             </a:fontRef>
           </p:style>
           <p:txBody>
@@ -8685,21 +8694,24 @@
             <a:prstGeom prst="rect">
               <a:avLst/>
             </a:prstGeom>
+            <a:ln>
+              <a:solidFill>
+                <a:schemeClr val="tx1"/>
+              </a:solidFill>
+            </a:ln>
           </p:spPr>
           <p:style>
-            <a:lnRef idx="2">
-              <a:schemeClr val="accent1">
-                <a:shade val="50000"/>
-              </a:schemeClr>
+            <a:lnRef idx="1">
+              <a:schemeClr val="accent3"/>
             </a:lnRef>
-            <a:fillRef idx="1">
-              <a:schemeClr val="accent1"/>
+            <a:fillRef idx="2">
+              <a:schemeClr val="accent3"/>
             </a:fillRef>
-            <a:effectRef idx="0">
-              <a:schemeClr val="accent1"/>
+            <a:effectRef idx="1">
+              <a:schemeClr val="accent3"/>
             </a:effectRef>
             <a:fontRef idx="minor">
-              <a:schemeClr val="lt1"/>
+              <a:schemeClr val="dk1"/>
             </a:fontRef>
           </p:style>
           <p:txBody>
@@ -8729,21 +8741,24 @@
               <a:avLst/>
             </a:prstGeom>
             <a:ln>
+              <a:solidFill>
+                <a:schemeClr val="tx1"/>
+              </a:solidFill>
               <a:tailEnd type="triangle"/>
             </a:ln>
           </p:spPr>
           <p:style>
             <a:lnRef idx="1">
-              <a:schemeClr val="accent1"/>
+              <a:schemeClr val="accent3"/>
             </a:lnRef>
-            <a:fillRef idx="0">
-              <a:schemeClr val="accent1"/>
+            <a:fillRef idx="2">
+              <a:schemeClr val="accent3"/>
             </a:fillRef>
-            <a:effectRef idx="0">
-              <a:schemeClr val="accent1"/>
+            <a:effectRef idx="1">
+              <a:schemeClr val="accent3"/>
             </a:effectRef>
             <a:fontRef idx="minor">
-              <a:schemeClr val="tx1"/>
+              <a:schemeClr val="dk1"/>
             </a:fontRef>
           </p:style>
         </p:cxnSp>
@@ -8765,21 +8780,24 @@
               <a:avLst/>
             </a:prstGeom>
             <a:ln>
+              <a:solidFill>
+                <a:schemeClr val="tx1"/>
+              </a:solidFill>
               <a:tailEnd type="triangle"/>
             </a:ln>
           </p:spPr>
           <p:style>
             <a:lnRef idx="1">
-              <a:schemeClr val="accent1"/>
+              <a:schemeClr val="accent3"/>
             </a:lnRef>
-            <a:fillRef idx="0">
-              <a:schemeClr val="accent1"/>
+            <a:fillRef idx="2">
+              <a:schemeClr val="accent3"/>
             </a:fillRef>
-            <a:effectRef idx="0">
-              <a:schemeClr val="accent1"/>
+            <a:effectRef idx="1">
+              <a:schemeClr val="accent3"/>
             </a:effectRef>
             <a:fontRef idx="minor">
-              <a:schemeClr val="tx1"/>
+              <a:schemeClr val="dk1"/>
             </a:fontRef>
           </p:style>
         </p:cxnSp>
@@ -8801,21 +8819,24 @@
               <a:avLst/>
             </a:prstGeom>
             <a:ln>
+              <a:solidFill>
+                <a:schemeClr val="tx1"/>
+              </a:solidFill>
               <a:tailEnd type="triangle"/>
             </a:ln>
           </p:spPr>
           <p:style>
             <a:lnRef idx="1">
-              <a:schemeClr val="accent1"/>
+              <a:schemeClr val="accent3"/>
             </a:lnRef>
-            <a:fillRef idx="0">
-              <a:schemeClr val="accent1"/>
+            <a:fillRef idx="2">
+              <a:schemeClr val="accent3"/>
             </a:fillRef>
-            <a:effectRef idx="0">
-              <a:schemeClr val="accent1"/>
+            <a:effectRef idx="1">
+              <a:schemeClr val="accent3"/>
             </a:effectRef>
             <a:fontRef idx="minor">
-              <a:schemeClr val="tx1"/>
+              <a:schemeClr val="dk1"/>
             </a:fontRef>
           </p:style>
         </p:cxnSp>
@@ -8839,21 +8860,24 @@
               </a:avLst>
             </a:prstGeom>
             <a:ln>
+              <a:solidFill>
+                <a:schemeClr val="tx1"/>
+              </a:solidFill>
               <a:tailEnd type="triangle"/>
             </a:ln>
           </p:spPr>
           <p:style>
             <a:lnRef idx="1">
-              <a:schemeClr val="accent1"/>
+              <a:schemeClr val="accent3"/>
             </a:lnRef>
-            <a:fillRef idx="0">
-              <a:schemeClr val="accent1"/>
+            <a:fillRef idx="2">
+              <a:schemeClr val="accent3"/>
             </a:fillRef>
-            <a:effectRef idx="0">
-              <a:schemeClr val="accent1"/>
+            <a:effectRef idx="1">
+              <a:schemeClr val="accent3"/>
             </a:effectRef>
             <a:fontRef idx="minor">
-              <a:schemeClr val="tx1"/>
+              <a:schemeClr val="dk1"/>
             </a:fontRef>
           </p:style>
         </p:cxnSp>
@@ -8872,7 +8896,24 @@
               <a:avLst/>
             </a:prstGeom>
             <a:noFill/>
+            <a:ln>
+              <a:noFill/>
+            </a:ln>
           </p:spPr>
+          <p:style>
+            <a:lnRef idx="1">
+              <a:schemeClr val="accent3"/>
+            </a:lnRef>
+            <a:fillRef idx="2">
+              <a:schemeClr val="accent3"/>
+            </a:fillRef>
+            <a:effectRef idx="1">
+              <a:schemeClr val="accent3"/>
+            </a:effectRef>
+            <a:fontRef idx="minor">
+              <a:schemeClr val="dk1"/>
+            </a:fontRef>
+          </p:style>
           <p:txBody>
             <a:bodyPr wrap="none" rtlCol="0">
               <a:spAutoFit/>
@@ -8902,7 +8943,24 @@
               <a:avLst/>
             </a:prstGeom>
             <a:noFill/>
+            <a:ln>
+              <a:noFill/>
+            </a:ln>
           </p:spPr>
+          <p:style>
+            <a:lnRef idx="1">
+              <a:schemeClr val="accent3"/>
+            </a:lnRef>
+            <a:fillRef idx="2">
+              <a:schemeClr val="accent3"/>
+            </a:fillRef>
+            <a:effectRef idx="1">
+              <a:schemeClr val="accent3"/>
+            </a:effectRef>
+            <a:fontRef idx="minor">
+              <a:schemeClr val="dk1"/>
+            </a:fontRef>
+          </p:style>
           <p:txBody>
             <a:bodyPr wrap="none" rtlCol="0">
               <a:spAutoFit/>
@@ -8917,8 +8975,8 @@
             </a:p>
           </p:txBody>
         </p:sp>
-        <mc:AlternateContent xmlns:mc="http://schemas.openxmlformats.org/markup-compatibility/2006" xmlns:a14="http://schemas.microsoft.com/office/drawing/2010/main">
-          <mc:Choice Requires="a14">
+        <mc:AlternateContent xmlns:mc="http://schemas.openxmlformats.org/markup-compatibility/2006">
+          <mc:Choice xmlns:a14="http://schemas.microsoft.com/office/drawing/2010/main" Requires="a14">
             <p:sp>
               <p:nvSpPr>
                 <p:cNvPr id="32" name="TextBox 31"/>
@@ -8927,16 +8985,33 @@
               </p:nvSpPr>
               <p:spPr>
                 <a:xfrm>
-                  <a:off x="3286895" y="2660070"/>
-                  <a:ext cx="842346" cy="289822"/>
+                  <a:off x="3092166" y="2635495"/>
+                  <a:ext cx="1037076" cy="314397"/>
                 </a:xfrm>
                 <a:prstGeom prst="rect">
                   <a:avLst/>
                 </a:prstGeom>
                 <a:noFill/>
+                <a:ln>
+                  <a:noFill/>
+                </a:ln>
               </p:spPr>
+              <p:style>
+                <a:lnRef idx="1">
+                  <a:schemeClr val="accent3"/>
+                </a:lnRef>
+                <a:fillRef idx="2">
+                  <a:schemeClr val="accent3"/>
+                </a:fillRef>
+                <a:effectRef idx="1">
+                  <a:schemeClr val="accent3"/>
+                </a:effectRef>
+                <a:fontRef idx="minor">
+                  <a:schemeClr val="dk1"/>
+                </a:fontRef>
+              </p:style>
               <p:txBody>
-                <a:bodyPr wrap="none" lIns="0" tIns="0" rIns="0" bIns="0" rtlCol="0">
+                <a:bodyPr wrap="square" lIns="0" tIns="0" rIns="0" bIns="0" rtlCol="0">
                   <a:spAutoFit/>
                 </a:bodyPr>
                 <a:lstStyle/>
@@ -9011,7 +9086,7 @@
               </p:txBody>
             </p:sp>
           </mc:Choice>
-          <mc:Fallback xmlns="">
+          <mc:Fallback>
             <p:sp>
               <p:nvSpPr>
                 <p:cNvPr id="32" name="TextBox 31"/>
@@ -9022,8 +9097,8 @@
               </p:nvSpPr>
               <p:spPr>
                 <a:xfrm>
-                  <a:off x="3286895" y="2660070"/>
-                  <a:ext cx="842346" cy="289822"/>
+                  <a:off x="3092166" y="2635495"/>
+                  <a:ext cx="1037076" cy="314397"/>
                 </a:xfrm>
                 <a:prstGeom prst="rect">
                   <a:avLst/>
@@ -9031,9 +9106,12 @@
                 <a:blipFill rotWithShape="0">
                   <a:blip r:embed="rId4"/>
                   <a:stretch>
-                    <a:fillRect l="-6870" t="-11111" r="-16031" b="-20000"/>
+                    <a:fillRect t="-10204" r="-3106" b="-10204"/>
                   </a:stretch>
                 </a:blipFill>
+                <a:ln>
+                  <a:noFill/>
+                </a:ln>
               </p:spPr>
               <p:txBody>
                 <a:bodyPr/>
@@ -9068,21 +9146,24 @@
                 <a:gd name="adj3" fmla="val 25000"/>
               </a:avLst>
             </a:prstGeom>
+            <a:ln>
+              <a:solidFill>
+                <a:schemeClr val="tx1"/>
+              </a:solidFill>
+            </a:ln>
           </p:spPr>
           <p:style>
-            <a:lnRef idx="2">
-              <a:schemeClr val="accent1">
-                <a:shade val="50000"/>
-              </a:schemeClr>
+            <a:lnRef idx="1">
+              <a:schemeClr val="accent3"/>
             </a:lnRef>
-            <a:fillRef idx="1">
-              <a:schemeClr val="accent1"/>
+            <a:fillRef idx="2">
+              <a:schemeClr val="accent3"/>
             </a:fillRef>
-            <a:effectRef idx="0">
-              <a:schemeClr val="accent1"/>
+            <a:effectRef idx="1">
+              <a:schemeClr val="accent3"/>
             </a:effectRef>
             <a:fontRef idx="minor">
-              <a:schemeClr val="lt1"/>
+              <a:schemeClr val="dk1"/>
             </a:fontRef>
           </p:style>
           <p:txBody>
@@ -9098,8 +9179,8 @@
             </a:p>
           </p:txBody>
         </p:sp>
-        <mc:AlternateContent xmlns:mc="http://schemas.openxmlformats.org/markup-compatibility/2006" xmlns:a14="http://schemas.microsoft.com/office/drawing/2010/main">
-          <mc:Choice Requires="a14">
+        <mc:AlternateContent xmlns:mc="http://schemas.openxmlformats.org/markup-compatibility/2006">
+          <mc:Choice xmlns:a14="http://schemas.microsoft.com/office/drawing/2010/main" Requires="a14">
             <p:sp>
               <p:nvSpPr>
                 <p:cNvPr id="35" name="TextBox 34"/>
@@ -9109,15 +9190,32 @@
               <p:spPr>
                 <a:xfrm>
                   <a:off x="5809705" y="2635495"/>
-                  <a:ext cx="873508" cy="276999"/>
+                  <a:ext cx="1062360" cy="293401"/>
                 </a:xfrm>
                 <a:prstGeom prst="rect">
                   <a:avLst/>
                 </a:prstGeom>
                 <a:noFill/>
+                <a:ln>
+                  <a:noFill/>
+                </a:ln>
               </p:spPr>
+              <p:style>
+                <a:lnRef idx="1">
+                  <a:schemeClr val="accent3"/>
+                </a:lnRef>
+                <a:fillRef idx="2">
+                  <a:schemeClr val="accent3"/>
+                </a:fillRef>
+                <a:effectRef idx="1">
+                  <a:schemeClr val="accent3"/>
+                </a:effectRef>
+                <a:fontRef idx="minor">
+                  <a:schemeClr val="dk1"/>
+                </a:fontRef>
+              </p:style>
               <p:txBody>
-                <a:bodyPr wrap="none" lIns="0" tIns="0" rIns="0" bIns="0" rtlCol="0">
+                <a:bodyPr wrap="square" lIns="0" tIns="0" rIns="0" bIns="0" rtlCol="0">
                   <a:spAutoFit/>
                 </a:bodyPr>
                 <a:lstStyle/>
@@ -9199,7 +9297,7 @@
               </p:txBody>
             </p:sp>
           </mc:Choice>
-          <mc:Fallback xmlns="">
+          <mc:Fallback>
             <p:sp>
               <p:nvSpPr>
                 <p:cNvPr id="35" name="TextBox 34"/>
@@ -9211,7 +9309,7 @@
               <p:spPr>
                 <a:xfrm>
                   <a:off x="5809705" y="2635495"/>
-                  <a:ext cx="873508" cy="276999"/>
+                  <a:ext cx="1062360" cy="293401"/>
                 </a:xfrm>
                 <a:prstGeom prst="rect">
                   <a:avLst/>
@@ -9219,9 +9317,12 @@
                 <a:blipFill rotWithShape="0">
                   <a:blip r:embed="rId5"/>
                   <a:stretch>
-                    <a:fillRect l="-6667" r="-3704" b="-20930"/>
+                    <a:fillRect b="-13043"/>
                   </a:stretch>
                 </a:blipFill>
+                <a:ln>
+                  <a:noFill/>
+                </a:ln>
               </p:spPr>
               <p:txBody>
                 <a:bodyPr/>
@@ -9749,8 +9850,8 @@
             </p:sp>
           </mc:Fallback>
         </mc:AlternateContent>
-        <mc:AlternateContent xmlns:mc="http://schemas.openxmlformats.org/markup-compatibility/2006" xmlns:a14="http://schemas.microsoft.com/office/drawing/2010/main">
-          <mc:Choice Requires="a14">
+        <mc:AlternateContent xmlns:mc="http://schemas.openxmlformats.org/markup-compatibility/2006">
+          <mc:Choice xmlns:a14="http://schemas.microsoft.com/office/drawing/2010/main" Requires="a14">
             <p:sp>
               <p:nvSpPr>
                 <p:cNvPr id="42" name="Right Arrow 41"/>
@@ -9759,8 +9860,8 @@
               </p:nvSpPr>
               <p:spPr>
                 <a:xfrm>
-                  <a:off x="3873750" y="3825709"/>
-                  <a:ext cx="1001260" cy="370090"/>
+                  <a:off x="3918364" y="3588005"/>
+                  <a:ext cx="1001260" cy="845497"/>
                 </a:xfrm>
                 <a:prstGeom prst="rightArrow">
                   <a:avLst/>
@@ -9827,7 +9928,7 @@
               </p:txBody>
             </p:sp>
           </mc:Choice>
-          <mc:Fallback xmlns="">
+          <mc:Fallback>
             <p:sp>
               <p:nvSpPr>
                 <p:cNvPr id="42" name="Right Arrow 41"/>
@@ -9838,8 +9939,8 @@
               </p:nvSpPr>
               <p:spPr>
                 <a:xfrm>
-                  <a:off x="3873750" y="3825709"/>
-                  <a:ext cx="1001260" cy="370090"/>
+                  <a:off x="3918364" y="3588005"/>
+                  <a:ext cx="1001260" cy="845497"/>
                 </a:xfrm>
                 <a:prstGeom prst="rightArrow">
                   <a:avLst/>
@@ -9847,7 +9948,7 @@
                 <a:blipFill rotWithShape="0">
                   <a:blip r:embed="rId8"/>
                   <a:stretch>
-                    <a:fillRect b="-7463"/>
+                    <a:fillRect/>
                   </a:stretch>
                 </a:blipFill>
               </p:spPr>
@@ -10394,8 +10495,8 @@
           </p:nvSpPr>
           <p:spPr>
             <a:xfrm>
-              <a:off x="8743906" y="3825709"/>
-              <a:ext cx="1001260" cy="370090"/>
+              <a:off x="8816734" y="3588006"/>
+              <a:ext cx="1001260" cy="869358"/>
             </a:xfrm>
             <a:prstGeom prst="rightArrow">
               <a:avLst/>
@@ -18110,8 +18211,8 @@
             </a:fontRef>
           </p:style>
         </p:cxnSp>
-        <mc:AlternateContent xmlns:mc="http://schemas.openxmlformats.org/markup-compatibility/2006">
-          <mc:Choice xmlns:a14="http://schemas.microsoft.com/office/drawing/2010/main" Requires="a14">
+        <mc:AlternateContent xmlns:mc="http://schemas.openxmlformats.org/markup-compatibility/2006" xmlns:a14="http://schemas.microsoft.com/office/drawing/2010/main">
+          <mc:Choice Requires="a14">
             <p:sp>
               <p:nvSpPr>
                 <p:cNvPr id="17" name="TextBox 16"/>
@@ -18174,7 +18275,7 @@
               </p:txBody>
             </p:sp>
           </mc:Choice>
-          <mc:Fallback>
+          <mc:Fallback xmlns="">
             <p:sp>
               <p:nvSpPr>
                 <p:cNvPr id="17" name="TextBox 16"/>
@@ -19156,8 +19257,8 @@
             </a:fontRef>
           </p:style>
         </p:cxnSp>
-        <mc:AlternateContent xmlns:mc="http://schemas.openxmlformats.org/markup-compatibility/2006">
-          <mc:Choice xmlns:a14="http://schemas.microsoft.com/office/drawing/2010/main" Requires="a14">
+        <mc:AlternateContent xmlns:mc="http://schemas.openxmlformats.org/markup-compatibility/2006" xmlns:a14="http://schemas.microsoft.com/office/drawing/2010/main">
+          <mc:Choice Requires="a14">
             <p:sp>
               <p:nvSpPr>
                 <p:cNvPr id="72" name="TextBox 71"/>
@@ -19220,7 +19321,7 @@
               </p:txBody>
             </p:sp>
           </mc:Choice>
-          <mc:Fallback>
+          <mc:Fallback xmlns="">
             <p:sp>
               <p:nvSpPr>
                 <p:cNvPr id="72" name="TextBox 71"/>
@@ -19398,8 +19499,8 @@
             </a:fontRef>
           </p:style>
         </p:cxnSp>
-        <mc:AlternateContent xmlns:mc="http://schemas.openxmlformats.org/markup-compatibility/2006">
-          <mc:Choice xmlns:a14="http://schemas.microsoft.com/office/drawing/2010/main" Requires="a14">
+        <mc:AlternateContent xmlns:mc="http://schemas.openxmlformats.org/markup-compatibility/2006" xmlns:a14="http://schemas.microsoft.com/office/drawing/2010/main">
+          <mc:Choice Requires="a14">
             <p:sp>
               <p:nvSpPr>
                 <p:cNvPr id="75" name="TextBox 74"/>
@@ -19493,7 +19594,7 @@
               </p:txBody>
             </p:sp>
           </mc:Choice>
-          <mc:Fallback>
+          <mc:Fallback xmlns="">
             <p:sp>
               <p:nvSpPr>
                 <p:cNvPr id="75" name="TextBox 74"/>
@@ -21540,8 +21641,8 @@
             </a:fontRef>
           </p:style>
         </p:cxnSp>
-        <mc:AlternateContent xmlns:mc="http://schemas.openxmlformats.org/markup-compatibility/2006">
-          <mc:Choice xmlns:a14="http://schemas.microsoft.com/office/drawing/2010/main" Requires="a14">
+        <mc:AlternateContent xmlns:mc="http://schemas.openxmlformats.org/markup-compatibility/2006" xmlns:a14="http://schemas.microsoft.com/office/drawing/2010/main">
+          <mc:Choice Requires="a14">
             <p:sp>
               <p:nvSpPr>
                 <p:cNvPr id="125" name="TextBox 124"/>
@@ -21604,7 +21705,7 @@
               </p:txBody>
             </p:sp>
           </mc:Choice>
-          <mc:Fallback>
+          <mc:Fallback xmlns="">
             <p:sp>
               <p:nvSpPr>
                 <p:cNvPr id="125" name="TextBox 124"/>
@@ -21782,8 +21883,8 @@
             </a:fontRef>
           </p:style>
         </p:cxnSp>
-        <mc:AlternateContent xmlns:mc="http://schemas.openxmlformats.org/markup-compatibility/2006">
-          <mc:Choice xmlns:a14="http://schemas.microsoft.com/office/drawing/2010/main" Requires="a14">
+        <mc:AlternateContent xmlns:mc="http://schemas.openxmlformats.org/markup-compatibility/2006" xmlns:a14="http://schemas.microsoft.com/office/drawing/2010/main">
+          <mc:Choice Requires="a14">
             <p:sp>
               <p:nvSpPr>
                 <p:cNvPr id="128" name="TextBox 127"/>
@@ -21877,7 +21978,7 @@
               </p:txBody>
             </p:sp>
           </mc:Choice>
-          <mc:Fallback>
+          <mc:Fallback xmlns="">
             <p:sp>
               <p:nvSpPr>
                 <p:cNvPr id="128" name="TextBox 127"/>
@@ -23594,8 +23695,8 @@
             </a:fontRef>
           </p:style>
         </p:cxnSp>
-        <mc:AlternateContent xmlns:mc="http://schemas.openxmlformats.org/markup-compatibility/2006">
-          <mc:Choice xmlns:a14="http://schemas.microsoft.com/office/drawing/2010/main" Requires="a14">
+        <mc:AlternateContent xmlns:mc="http://schemas.openxmlformats.org/markup-compatibility/2006" xmlns:a14="http://schemas.microsoft.com/office/drawing/2010/main">
+          <mc:Choice Requires="a14">
             <p:sp>
               <p:nvSpPr>
                 <p:cNvPr id="105" name="TextBox 104"/>
@@ -23670,7 +23771,7 @@
               </p:txBody>
             </p:sp>
           </mc:Choice>
-          <mc:Fallback>
+          <mc:Fallback xmlns="">
             <p:sp>
               <p:nvSpPr>
                 <p:cNvPr id="105" name="TextBox 104"/>
